--- a/slides/08_recursion_1.pptx
+++ b/slides/08_recursion_1.pptx
@@ -17,6 +17,7 @@
     <p:sldId id="262" r:id="rId12"/>
     <p:sldId id="263" r:id="rId13"/>
     <p:sldId id="264" r:id="rId14"/>
+    <p:sldId id="265" r:id="rId15"/>
   </p:sldIdLst>
   <p:sldSz cy="5143500" cx="9144000"/>
   <p:notesSz cx="6858000" cy="9144000"/>
@@ -793,6 +794,105 @@
 </p:notes>
 </file>
 
+<file path=ppt/notesSlides/notesSlide10.xml><?xml version="1.0" encoding="utf-8"?>
+<p:notes xmlns:a="http://schemas.openxmlformats.org/drawingml/2006/main" xmlns:r="http://schemas.openxmlformats.org/officeDocument/2006/relationships" xmlns:mc="http://schemas.openxmlformats.org/markup-compatibility/2006" xmlns:mv="urn:schemas-microsoft-com:mac:vml" xmlns:p="http://schemas.openxmlformats.org/presentationml/2006/main" xmlns:c="http://schemas.openxmlformats.org/drawingml/2006/chart" xmlns:dgm="http://schemas.openxmlformats.org/drawingml/2006/diagram" xmlns:o="urn:schemas-microsoft-com:office:office" xmlns:v="urn:schemas-microsoft-com:vml" xmlns:pvml="urn:schemas-microsoft-com:office:powerpoint" xmlns:com="http://schemas.openxmlformats.org/drawingml/2006/compatibility" xmlns:p14="http://schemas.microsoft.com/office/powerpoint/2010/main" xmlns:p15="http://schemas.microsoft.com/office/powerpoint/2012/main" xmlns:ahyp="http://schemas.microsoft.com/office/drawing/2018/hyperlinkcolor" showMasterPhAnim="0" showMasterSp="0">
+  <p:cSld>
+    <p:spTree>
+      <p:nvGrpSpPr>
+        <p:cNvPr id="163" name="Shape 163"/>
+        <p:cNvGrpSpPr/>
+        <p:nvPr/>
+      </p:nvGrpSpPr>
+      <p:grpSpPr>
+        <a:xfrm>
+          <a:off x="0" y="0"/>
+          <a:ext cx="0" cy="0"/>
+          <a:chOff x="0" y="0"/>
+          <a:chExt cx="0" cy="0"/>
+        </a:xfrm>
+      </p:grpSpPr>
+      <p:sp>
+        <p:nvSpPr>
+          <p:cNvPr id="164" name="Google Shape;164;gcb590e6224_0_145:notes"/>
+          <p:cNvSpPr/>
+          <p:nvPr>
+            <p:ph idx="2" type="sldImg"/>
+          </p:nvPr>
+        </p:nvSpPr>
+        <p:spPr>
+          <a:xfrm>
+            <a:off x="381300" y="685800"/>
+            <a:ext cx="6096000" cy="3429000"/>
+          </a:xfrm>
+          <a:custGeom>
+            <a:rect b="b" l="l" r="r" t="t"/>
+            <a:pathLst>
+              <a:path extrusionOk="0" h="120000" w="120000">
+                <a:moveTo>
+                  <a:pt x="0" y="0"/>
+                </a:moveTo>
+                <a:lnTo>
+                  <a:pt x="120000" y="0"/>
+                </a:lnTo>
+                <a:lnTo>
+                  <a:pt x="120000" y="120000"/>
+                </a:lnTo>
+                <a:lnTo>
+                  <a:pt x="0" y="120000"/>
+                </a:lnTo>
+                <a:close/>
+              </a:path>
+            </a:pathLst>
+          </a:custGeom>
+        </p:spPr>
+      </p:sp>
+      <p:sp>
+        <p:nvSpPr>
+          <p:cNvPr id="165" name="Google Shape;165;gcb590e6224_0_145:notes"/>
+          <p:cNvSpPr txBox="1"/>
+          <p:nvPr>
+            <p:ph idx="1" type="body"/>
+          </p:nvPr>
+        </p:nvSpPr>
+        <p:spPr>
+          <a:xfrm>
+            <a:off x="685800" y="4343400"/>
+            <a:ext cx="5486400" cy="4114800"/>
+          </a:xfrm>
+          <a:prstGeom prst="rect">
+            <a:avLst/>
+          </a:prstGeom>
+        </p:spPr>
+        <p:txBody>
+          <a:bodyPr anchorCtr="0" anchor="t" bIns="91425" lIns="91425" spcFirstLastPara="1" rIns="91425" wrap="square" tIns="91425">
+            <a:noAutofit/>
+          </a:bodyPr>
+          <a:lstStyle/>
+          <a:p>
+            <a:pPr indent="0" lvl="0" marL="0" rtl="0" algn="l">
+              <a:spcBef>
+                <a:spcPts val="0"/>
+              </a:spcBef>
+              <a:spcAft>
+                <a:spcPts val="0"/>
+              </a:spcAft>
+              <a:buNone/>
+            </a:pPr>
+            <a:r>
+              <a:t/>
+            </a:r>
+            <a:endParaRPr/>
+          </a:p>
+        </p:txBody>
+      </p:sp>
+    </p:spTree>
+  </p:cSld>
+  <p:clrMapOvr>
+    <a:masterClrMapping/>
+  </p:clrMapOvr>
+</p:notes>
+</file>
+
 <file path=ppt/notesSlides/notesSlide2.xml><?xml version="1.0" encoding="utf-8"?>
 <p:notes xmlns:a="http://schemas.openxmlformats.org/drawingml/2006/main" xmlns:r="http://schemas.openxmlformats.org/officeDocument/2006/relationships" xmlns:mc="http://schemas.openxmlformats.org/markup-compatibility/2006" xmlns:mv="urn:schemas-microsoft-com:mac:vml" xmlns:p="http://schemas.openxmlformats.org/presentationml/2006/main" xmlns:c="http://schemas.openxmlformats.org/drawingml/2006/chart" xmlns:dgm="http://schemas.openxmlformats.org/drawingml/2006/diagram" xmlns:o="urn:schemas-microsoft-com:office:office" xmlns:v="urn:schemas-microsoft-com:vml" xmlns:pvml="urn:schemas-microsoft-com:office:powerpoint" xmlns:com="http://schemas.openxmlformats.org/drawingml/2006/compatibility" xmlns:p14="http://schemas.microsoft.com/office/powerpoint/2010/main" xmlns:p15="http://schemas.microsoft.com/office/powerpoint/2012/main" xmlns:ahyp="http://schemas.microsoft.com/office/drawing/2018/hyperlinkcolor" showMasterPhAnim="0" showMasterSp="0">
   <p:cSld>
@@ -1208,7 +1308,7 @@
       </p:grpSpPr>
       <p:sp>
         <p:nvSpPr>
-          <p:cNvPr id="113" name="Google Shape;113;gcb590e6224_0_99:notes"/>
+          <p:cNvPr id="113" name="Google Shape;113;gfad42bd37b_0_0:notes"/>
           <p:cNvSpPr/>
           <p:nvPr>
             <p:ph idx="2" type="sldImg"/>
@@ -1243,7 +1343,7 @@
       </p:sp>
       <p:sp>
         <p:nvSpPr>
-          <p:cNvPr id="114" name="Google Shape;114;gcb590e6224_0_99:notes"/>
+          <p:cNvPr id="114" name="Google Shape;114;gfad42bd37b_0_0:notes"/>
           <p:cNvSpPr txBox="1"/>
           <p:nvPr>
             <p:ph idx="1" type="body"/>
@@ -1293,7 +1393,7 @@
   <p:cSld>
     <p:spTree>
       <p:nvGrpSpPr>
-        <p:cNvPr id="143" name="Shape 143"/>
+        <p:cNvPr id="120" name="Shape 120"/>
         <p:cNvGrpSpPr/>
         <p:nvPr/>
       </p:nvGrpSpPr>
@@ -1307,7 +1407,7 @@
       </p:grpSpPr>
       <p:sp>
         <p:nvSpPr>
-          <p:cNvPr id="144" name="Google Shape;144;gcb590e6224_0_140:notes"/>
+          <p:cNvPr id="121" name="Google Shape;121;gcb590e6224_0_99:notes"/>
           <p:cNvSpPr/>
           <p:nvPr>
             <p:ph idx="2" type="sldImg"/>
@@ -1342,7 +1442,7 @@
       </p:sp>
       <p:sp>
         <p:nvSpPr>
-          <p:cNvPr id="145" name="Google Shape;145;gcb590e6224_0_140:notes"/>
+          <p:cNvPr id="122" name="Google Shape;122;gcb590e6224_0_99:notes"/>
           <p:cNvSpPr txBox="1"/>
           <p:nvPr>
             <p:ph idx="1" type="body"/>
@@ -1392,7 +1492,7 @@
   <p:cSld>
     <p:spTree>
       <p:nvGrpSpPr>
-        <p:cNvPr id="149" name="Shape 149"/>
+        <p:cNvPr id="151" name="Shape 151"/>
         <p:cNvGrpSpPr/>
         <p:nvPr/>
       </p:nvGrpSpPr>
@@ -1406,7 +1506,7 @@
       </p:grpSpPr>
       <p:sp>
         <p:nvSpPr>
-          <p:cNvPr id="150" name="Google Shape;150;gcb590e6224_0_135:notes"/>
+          <p:cNvPr id="152" name="Google Shape;152;gcb590e6224_0_140:notes"/>
           <p:cNvSpPr/>
           <p:nvPr>
             <p:ph idx="2" type="sldImg"/>
@@ -1441,7 +1541,7 @@
       </p:sp>
       <p:sp>
         <p:nvSpPr>
-          <p:cNvPr id="151" name="Google Shape;151;gcb590e6224_0_135:notes"/>
+          <p:cNvPr id="153" name="Google Shape;153;gcb590e6224_0_140:notes"/>
           <p:cNvSpPr txBox="1"/>
           <p:nvPr>
             <p:ph idx="1" type="body"/>
@@ -1491,7 +1591,7 @@
   <p:cSld>
     <p:spTree>
       <p:nvGrpSpPr>
-        <p:cNvPr id="155" name="Shape 155"/>
+        <p:cNvPr id="157" name="Shape 157"/>
         <p:cNvGrpSpPr/>
         <p:nvPr/>
       </p:nvGrpSpPr>
@@ -1505,7 +1605,7 @@
       </p:grpSpPr>
       <p:sp>
         <p:nvSpPr>
-          <p:cNvPr id="156" name="Google Shape;156;gcb590e6224_0_145:notes"/>
+          <p:cNvPr id="158" name="Google Shape;158;gcb590e6224_0_135:notes"/>
           <p:cNvSpPr/>
           <p:nvPr>
             <p:ph idx="2" type="sldImg"/>
@@ -1540,7 +1640,7 @@
       </p:sp>
       <p:sp>
         <p:nvSpPr>
-          <p:cNvPr id="157" name="Google Shape;157;gcb590e6224_0_145:notes"/>
+          <p:cNvPr id="159" name="Google Shape;159;gcb590e6224_0_135:notes"/>
           <p:cNvSpPr txBox="1"/>
           <p:nvPr>
             <p:ph idx="1" type="body"/>
@@ -9480,6 +9580,237 @@
 </p:sld>
 </file>
 
+<file path=ppt/slides/slide10.xml><?xml version="1.0" encoding="utf-8"?>
+<p:sld xmlns:a="http://schemas.openxmlformats.org/drawingml/2006/main" xmlns:r="http://schemas.openxmlformats.org/officeDocument/2006/relationships" xmlns:mc="http://schemas.openxmlformats.org/markup-compatibility/2006" xmlns:mv="urn:schemas-microsoft-com:mac:vml" xmlns:p="http://schemas.openxmlformats.org/presentationml/2006/main" xmlns:c="http://schemas.openxmlformats.org/drawingml/2006/chart" xmlns:dgm="http://schemas.openxmlformats.org/drawingml/2006/diagram" xmlns:o="urn:schemas-microsoft-com:office:office" xmlns:v="urn:schemas-microsoft-com:vml" xmlns:pvml="urn:schemas-microsoft-com:office:powerpoint" xmlns:com="http://schemas.openxmlformats.org/drawingml/2006/compatibility" xmlns:p14="http://schemas.microsoft.com/office/powerpoint/2010/main" xmlns:p15="http://schemas.microsoft.com/office/powerpoint/2012/main" xmlns:ahyp="http://schemas.microsoft.com/office/drawing/2018/hyperlinkcolor">
+  <p:cSld>
+    <p:spTree>
+      <p:nvGrpSpPr>
+        <p:cNvPr id="166" name="Shape 166"/>
+        <p:cNvGrpSpPr/>
+        <p:nvPr/>
+      </p:nvGrpSpPr>
+      <p:grpSpPr>
+        <a:xfrm>
+          <a:off x="0" y="0"/>
+          <a:ext cx="0" cy="0"/>
+          <a:chOff x="0" y="0"/>
+          <a:chExt cx="0" cy="0"/>
+        </a:xfrm>
+      </p:grpSpPr>
+      <p:sp>
+        <p:nvSpPr>
+          <p:cNvPr id="167" name="Google Shape;167;p25"/>
+          <p:cNvSpPr txBox="1"/>
+          <p:nvPr>
+            <p:ph type="title"/>
+          </p:nvPr>
+        </p:nvSpPr>
+        <p:spPr>
+          <a:xfrm>
+            <a:off x="431800" y="83344"/>
+            <a:ext cx="8375700" cy="531000"/>
+          </a:xfrm>
+          <a:prstGeom prst="rect">
+            <a:avLst/>
+          </a:prstGeom>
+        </p:spPr>
+        <p:txBody>
+          <a:bodyPr anchorCtr="0" anchor="b" bIns="0" lIns="0" spcFirstLastPara="1" rIns="0" wrap="square" tIns="0">
+            <a:noAutofit/>
+          </a:bodyPr>
+          <a:lstStyle/>
+          <a:p>
+            <a:pPr indent="0" lvl="0" marL="0" rtl="0" algn="l">
+              <a:spcBef>
+                <a:spcPts val="0"/>
+              </a:spcBef>
+              <a:spcAft>
+                <a:spcPts val="0"/>
+              </a:spcAft>
+              <a:buNone/>
+            </a:pPr>
+            <a:r>
+              <a:rPr lang="de"/>
+              <a:t>6. Übungsaufgabe</a:t>
+            </a:r>
+            <a:endParaRPr/>
+          </a:p>
+        </p:txBody>
+      </p:sp>
+      <p:sp>
+        <p:nvSpPr>
+          <p:cNvPr id="168" name="Google Shape;168;p25"/>
+          <p:cNvSpPr/>
+          <p:nvPr>
+            <p:ph idx="2" type="chart"/>
+          </p:nvPr>
+        </p:nvSpPr>
+        <p:spPr>
+          <a:xfrm>
+            <a:off x="431800" y="782241"/>
+            <a:ext cx="8375700" cy="3579000"/>
+          </a:xfrm>
+          <a:prstGeom prst="rect">
+            <a:avLst/>
+          </a:prstGeom>
+        </p:spPr>
+        <p:txBody>
+          <a:bodyPr anchorCtr="0" anchor="t" bIns="0" lIns="0" spcFirstLastPara="1" rIns="0" wrap="square" tIns="0">
+            <a:noAutofit/>
+          </a:bodyPr>
+          <a:lstStyle/>
+          <a:p>
+            <a:pPr indent="0" lvl="0" marL="0" rtl="0" algn="l">
+              <a:spcBef>
+                <a:spcPts val="320"/>
+              </a:spcBef>
+              <a:spcAft>
+                <a:spcPts val="0"/>
+              </a:spcAft>
+              <a:buNone/>
+            </a:pPr>
+            <a:r>
+              <a:rPr lang="de" sz="1500"/>
+              <a:t>Ein weiterer bekannter Anwendungsfall für Rekursion sind die Fibonacci-Zahlen. Fibonacci Zahlen ergeben sich nach der Formel F(n) = F(n-2) + F(n-1), wobei F(0) = 0 und F(1) = 1 gilt.</a:t>
+            </a:r>
+            <a:endParaRPr sz="1500"/>
+          </a:p>
+          <a:p>
+            <a:pPr indent="0" lvl="0" marL="0" rtl="0" algn="l">
+              <a:spcBef>
+                <a:spcPts val="320"/>
+              </a:spcBef>
+              <a:spcAft>
+                <a:spcPts val="0"/>
+              </a:spcAft>
+              <a:buNone/>
+            </a:pPr>
+            <a:r>
+              <a:rPr lang="de" sz="1500"/>
+              <a:t>F(2) = F(0) + F(1) = 0 + 1 = 1, </a:t>
+            </a:r>
+            <a:endParaRPr sz="1500"/>
+          </a:p>
+          <a:p>
+            <a:pPr indent="0" lvl="0" marL="0" rtl="0" algn="l">
+              <a:spcBef>
+                <a:spcPts val="320"/>
+              </a:spcBef>
+              <a:spcAft>
+                <a:spcPts val="0"/>
+              </a:spcAft>
+              <a:buNone/>
+            </a:pPr>
+            <a:r>
+              <a:rPr lang="de" sz="1500"/>
+              <a:t>F(3) = F(1) + F(2) = 1 + 1 = 2,</a:t>
+            </a:r>
+            <a:endParaRPr sz="1500"/>
+          </a:p>
+          <a:p>
+            <a:pPr indent="0" lvl="0" marL="0" rtl="0" algn="l">
+              <a:spcBef>
+                <a:spcPts val="320"/>
+              </a:spcBef>
+              <a:spcAft>
+                <a:spcPts val="0"/>
+              </a:spcAft>
+              <a:buNone/>
+            </a:pPr>
+            <a:r>
+              <a:rPr lang="de" sz="1500"/>
+              <a:t>...</a:t>
+            </a:r>
+            <a:endParaRPr sz="1500"/>
+          </a:p>
+          <a:p>
+            <a:pPr indent="0" lvl="0" marL="0" rtl="0" algn="l">
+              <a:spcBef>
+                <a:spcPts val="320"/>
+              </a:spcBef>
+              <a:spcAft>
+                <a:spcPts val="0"/>
+              </a:spcAft>
+              <a:buNone/>
+            </a:pPr>
+            <a:r>
+              <a:t/>
+            </a:r>
+            <a:endParaRPr sz="1500"/>
+          </a:p>
+          <a:p>
+            <a:pPr indent="0" lvl="0" marL="0" rtl="0" algn="l">
+              <a:spcBef>
+                <a:spcPts val="320"/>
+              </a:spcBef>
+              <a:spcAft>
+                <a:spcPts val="0"/>
+              </a:spcAft>
+              <a:buNone/>
+            </a:pPr>
+            <a:r>
+              <a:rPr lang="de" sz="1500"/>
+              <a:t>Deine Aufgabe ist es, eine rekursive Funktion zur Berechnung von Fibonacci-Zahlen zu schreiben. Die Funktion nimmt als Parameter den Index der Fibonacci-Zahl, es lässt sich also bspw. die 7. Fibonacci-Zahl berechnen, indem man die Funktion mit dem Parameter 7 aufruft.</a:t>
+            </a:r>
+            <a:endParaRPr sz="1500"/>
+          </a:p>
+          <a:p>
+            <a:pPr indent="0" lvl="0" marL="0" rtl="0" algn="l">
+              <a:spcBef>
+                <a:spcPts val="320"/>
+              </a:spcBef>
+              <a:spcAft>
+                <a:spcPts val="0"/>
+              </a:spcAft>
+              <a:buNone/>
+            </a:pPr>
+            <a:r>
+              <a:rPr lang="de" sz="1500"/>
+              <a:t>Die Funktion lässt sich (wenn man das Abfangen von negativen Parametern rauslässt) in maximal 4 Zeilen schreiben.</a:t>
+            </a:r>
+            <a:endParaRPr sz="1500"/>
+          </a:p>
+          <a:p>
+            <a:pPr indent="0" lvl="0" marL="0" rtl="0" algn="l">
+              <a:spcBef>
+                <a:spcPts val="320"/>
+              </a:spcBef>
+              <a:spcAft>
+                <a:spcPts val="0"/>
+              </a:spcAft>
+              <a:buNone/>
+            </a:pPr>
+            <a:r>
+              <a:t/>
+            </a:r>
+            <a:endParaRPr sz="1500"/>
+          </a:p>
+          <a:p>
+            <a:pPr indent="0" lvl="0" marL="0" rtl="0" algn="l">
+              <a:spcBef>
+                <a:spcPts val="320"/>
+              </a:spcBef>
+              <a:spcAft>
+                <a:spcPts val="0"/>
+              </a:spcAft>
+              <a:buNone/>
+            </a:pPr>
+            <a:r>
+              <a:rPr lang="de" sz="1500"/>
+              <a:t>Wenn du damit fertig bist, kannst du die Rekursionsaufrufe analog zu dem Fakultäten-Beispiel, z.B. für den Parameter 5, visualisieren. Eine baumartige Darstellung bietet sich in diesem Kontext an.</a:t>
+            </a:r>
+            <a:endParaRPr sz="1500"/>
+          </a:p>
+        </p:txBody>
+      </p:sp>
+    </p:spTree>
+  </p:cSld>
+  <p:clrMapOvr>
+    <a:masterClrMapping/>
+  </p:clrMapOvr>
+</p:sld>
+</file>
+
 <file path=ppt/slides/slide2.xml><?xml version="1.0" encoding="utf-8"?>
 <p:sld xmlns:a="http://schemas.openxmlformats.org/drawingml/2006/main" xmlns:r="http://schemas.openxmlformats.org/officeDocument/2006/relationships" xmlns:mc="http://schemas.openxmlformats.org/markup-compatibility/2006" xmlns:mv="urn:schemas-microsoft-com:mac:vml" xmlns:p="http://schemas.openxmlformats.org/presentationml/2006/main" xmlns:c="http://schemas.openxmlformats.org/drawingml/2006/chart" xmlns:dgm="http://schemas.openxmlformats.org/drawingml/2006/diagram" xmlns:o="urn:schemas-microsoft-com:office:office" xmlns:v="urn:schemas-microsoft-com:vml" xmlns:pvml="urn:schemas-microsoft-com:office:powerpoint" xmlns:com="http://schemas.openxmlformats.org/drawingml/2006/compatibility" xmlns:p14="http://schemas.microsoft.com/office/powerpoint/2010/main" xmlns:p15="http://schemas.microsoft.com/office/powerpoint/2012/main" xmlns:ahyp="http://schemas.microsoft.com/office/drawing/2018/hyperlinkcolor">
   <p:cSld>
@@ -9612,7 +9943,27 @@
             </a:pPr>
             <a:r>
               <a:rPr lang="de"/>
-              <a:t>Durchsuchen von Dateisystemen</a:t>
+              <a:t>Rätsel: Was machen diese Funktionen?</a:t>
+            </a:r>
+            <a:br>
+              <a:rPr lang="de"/>
+            </a:br>
+            <a:endParaRPr/>
+          </a:p>
+          <a:p>
+            <a:pPr indent="-330200" lvl="0" marL="457200" rtl="0" algn="l">
+              <a:spcBef>
+                <a:spcPts val="0"/>
+              </a:spcBef>
+              <a:spcAft>
+                <a:spcPts val="0"/>
+              </a:spcAft>
+              <a:buSzPts val="1600"/>
+              <a:buAutoNum type="arabicPeriod"/>
+            </a:pPr>
+            <a:r>
+              <a:rPr lang="de"/>
+              <a:t>Rekursives Durchsuchen von Dateisystemen</a:t>
             </a:r>
             <a:br>
               <a:rPr lang="de"/>
@@ -9774,7 +10125,7 @@
             </a:pPr>
             <a:r>
               <a:rPr lang="de"/>
-              <a:t>selbst definierend</a:t>
+              <a:t>selbst-definierend</a:t>
             </a:r>
             <a:endParaRPr/>
           </a:p>
@@ -10122,7 +10473,23 @@
             </a:pPr>
             <a:r>
               <a:rPr lang="de"/>
-              <a:t>Der iterative Ansatz funktioniert zwar, ist aber nicht der eleganteste. Das mag dir in diesem Beispiel noch nicht so bewusst werden. Doch je komplexer der Algorithmus, desto wichtiger ist, dass dieser sich in einfacher, intuitiver Art und Weise formulieren lässt.</a:t>
+              <a:t>Der iterative Ansatz funktioniert zwar, ist aber nicht der eleganteste. </a:t>
+            </a:r>
+            <a:endParaRPr/>
+          </a:p>
+          <a:p>
+            <a:pPr indent="0" lvl="0" marL="0" rtl="0" algn="l">
+              <a:spcBef>
+                <a:spcPts val="320"/>
+              </a:spcBef>
+              <a:spcAft>
+                <a:spcPts val="0"/>
+              </a:spcAft>
+              <a:buNone/>
+            </a:pPr>
+            <a:r>
+              <a:rPr lang="de"/>
+              <a:t>Die Idee hinter dem rekursiven Algorithmus ist folgende:</a:t>
             </a:r>
             <a:endParaRPr/>
           </a:p>
@@ -10153,37 +10520,7 @@
             </a:pPr>
             <a:r>
               <a:rPr lang="de"/>
-              <a:t>Der rekursive Algorithmus würde wie folgt aussehen:</a:t>
-            </a:r>
-            <a:endParaRPr/>
-          </a:p>
-          <a:p>
-            <a:pPr indent="0" lvl="0" marL="0" rtl="0" algn="l">
-              <a:spcBef>
-                <a:spcPts val="320"/>
-              </a:spcBef>
-              <a:spcAft>
-                <a:spcPts val="0"/>
-              </a:spcAft>
-              <a:buNone/>
-            </a:pPr>
-            <a:r>
-              <a:t/>
-            </a:r>
-            <a:endParaRPr/>
-          </a:p>
-          <a:p>
-            <a:pPr indent="0" lvl="0" marL="0" rtl="0" algn="l">
-              <a:spcBef>
-                <a:spcPts val="320"/>
-              </a:spcBef>
-              <a:spcAft>
-                <a:spcPts val="0"/>
-              </a:spcAft>
-              <a:buNone/>
-            </a:pPr>
-            <a:r>
-              <a:t/>
+              <a:t>	n! = n * (n-1) * ... * 1 	⇔	n! = n * (n-1)! 	(Die Fakultät ist also selbst-definierend) </a:t>
             </a:r>
             <a:endParaRPr/>
           </a:p>
@@ -10205,7 +10542,7 @@
         </p:blipFill>
         <p:spPr>
           <a:xfrm>
-            <a:off x="2545925" y="2156900"/>
+            <a:off x="2545925" y="2239200"/>
             <a:ext cx="4052151" cy="1974125"/>
           </a:xfrm>
           <a:prstGeom prst="rect">
@@ -10252,6 +10589,183 @@
         </p:nvSpPr>
         <p:spPr>
           <a:xfrm>
+            <a:off x="431800" y="83344"/>
+            <a:ext cx="8375700" cy="531000"/>
+          </a:xfrm>
+          <a:prstGeom prst="rect">
+            <a:avLst/>
+          </a:prstGeom>
+        </p:spPr>
+        <p:txBody>
+          <a:bodyPr anchorCtr="0" anchor="b" bIns="0" lIns="0" spcFirstLastPara="1" rIns="0" wrap="square" tIns="0">
+            <a:noAutofit/>
+          </a:bodyPr>
+          <a:lstStyle/>
+          <a:p>
+            <a:pPr indent="0" lvl="0" marL="0" rtl="0" algn="l">
+              <a:spcBef>
+                <a:spcPts val="0"/>
+              </a:spcBef>
+              <a:spcAft>
+                <a:spcPts val="0"/>
+              </a:spcAft>
+              <a:buNone/>
+            </a:pPr>
+            <a:r>
+              <a:rPr lang="de"/>
+              <a:t>3. Rätsel: Was machen diese Funktionen?</a:t>
+            </a:r>
+            <a:endParaRPr/>
+          </a:p>
+        </p:txBody>
+      </p:sp>
+      <p:sp>
+        <p:nvSpPr>
+          <p:cNvPr id="117" name="Google Shape;117;p21"/>
+          <p:cNvSpPr/>
+          <p:nvPr>
+            <p:ph idx="2" type="chart"/>
+          </p:nvPr>
+        </p:nvSpPr>
+        <p:spPr>
+          <a:xfrm>
+            <a:off x="431800" y="782241"/>
+            <a:ext cx="8375700" cy="3579000"/>
+          </a:xfrm>
+          <a:prstGeom prst="rect">
+            <a:avLst/>
+          </a:prstGeom>
+        </p:spPr>
+        <p:txBody>
+          <a:bodyPr anchorCtr="0" anchor="t" bIns="0" lIns="0" spcFirstLastPara="1" rIns="0" wrap="square" tIns="0">
+            <a:noAutofit/>
+          </a:bodyPr>
+          <a:lstStyle/>
+          <a:p>
+            <a:pPr indent="0" lvl="0" marL="0" rtl="0" algn="l">
+              <a:spcBef>
+                <a:spcPts val="320"/>
+              </a:spcBef>
+              <a:spcAft>
+                <a:spcPts val="0"/>
+              </a:spcAft>
+              <a:buNone/>
+            </a:pPr>
+            <a:r>
+              <a:rPr lang="de"/>
+              <a:t>Was machen diese beiden Funktionen? </a:t>
+            </a:r>
+            <a:endParaRPr/>
+          </a:p>
+          <a:p>
+            <a:pPr indent="0" lvl="0" marL="0" rtl="0" algn="l">
+              <a:spcBef>
+                <a:spcPts val="320"/>
+              </a:spcBef>
+              <a:spcAft>
+                <a:spcPts val="0"/>
+              </a:spcAft>
+              <a:buNone/>
+            </a:pPr>
+            <a:r>
+              <a:rPr lang="de"/>
+              <a:t>Was unterscheidet sie?</a:t>
+            </a:r>
+            <a:endParaRPr/>
+          </a:p>
+        </p:txBody>
+      </p:sp>
+      <p:pic>
+        <p:nvPicPr>
+          <p:cNvPr id="118" name="Google Shape;118;p21"/>
+          <p:cNvPicPr preferRelativeResize="0"/>
+          <p:nvPr/>
+        </p:nvPicPr>
+        <p:blipFill>
+          <a:blip r:embed="rId3">
+            <a:alphaModFix/>
+          </a:blip>
+          <a:stretch>
+            <a:fillRect/>
+          </a:stretch>
+        </p:blipFill>
+        <p:spPr>
+          <a:xfrm>
+            <a:off x="431800" y="1749038"/>
+            <a:ext cx="3778384" cy="1645425"/>
+          </a:xfrm>
+          <a:prstGeom prst="rect">
+            <a:avLst/>
+          </a:prstGeom>
+          <a:noFill/>
+          <a:ln>
+            <a:noFill/>
+          </a:ln>
+        </p:spPr>
+      </p:pic>
+      <p:pic>
+        <p:nvPicPr>
+          <p:cNvPr id="119" name="Google Shape;119;p21"/>
+          <p:cNvPicPr preferRelativeResize="0"/>
+          <p:nvPr/>
+        </p:nvPicPr>
+        <p:blipFill>
+          <a:blip r:embed="rId4">
+            <a:alphaModFix/>
+          </a:blip>
+          <a:stretch>
+            <a:fillRect/>
+          </a:stretch>
+        </p:blipFill>
+        <p:spPr>
+          <a:xfrm>
+            <a:off x="5041325" y="1749038"/>
+            <a:ext cx="3766175" cy="1645425"/>
+          </a:xfrm>
+          <a:prstGeom prst="rect">
+            <a:avLst/>
+          </a:prstGeom>
+          <a:noFill/>
+          <a:ln>
+            <a:noFill/>
+          </a:ln>
+        </p:spPr>
+      </p:pic>
+    </p:spTree>
+  </p:cSld>
+  <p:clrMapOvr>
+    <a:masterClrMapping/>
+  </p:clrMapOvr>
+</p:sld>
+</file>
+
+<file path=ppt/slides/slide7.xml><?xml version="1.0" encoding="utf-8"?>
+<p:sld xmlns:a="http://schemas.openxmlformats.org/drawingml/2006/main" xmlns:r="http://schemas.openxmlformats.org/officeDocument/2006/relationships" xmlns:mc="http://schemas.openxmlformats.org/markup-compatibility/2006" xmlns:mv="urn:schemas-microsoft-com:mac:vml" xmlns:p="http://schemas.openxmlformats.org/presentationml/2006/main" xmlns:c="http://schemas.openxmlformats.org/drawingml/2006/chart" xmlns:dgm="http://schemas.openxmlformats.org/drawingml/2006/diagram" xmlns:o="urn:schemas-microsoft-com:office:office" xmlns:v="urn:schemas-microsoft-com:vml" xmlns:pvml="urn:schemas-microsoft-com:office:powerpoint" xmlns:com="http://schemas.openxmlformats.org/drawingml/2006/compatibility" xmlns:p14="http://schemas.microsoft.com/office/powerpoint/2010/main" xmlns:p15="http://schemas.microsoft.com/office/powerpoint/2012/main" xmlns:ahyp="http://schemas.microsoft.com/office/drawing/2018/hyperlinkcolor">
+  <p:cSld>
+    <p:spTree>
+      <p:nvGrpSpPr>
+        <p:cNvPr id="123" name="Shape 123"/>
+        <p:cNvGrpSpPr/>
+        <p:nvPr/>
+      </p:nvGrpSpPr>
+      <p:grpSpPr>
+        <a:xfrm>
+          <a:off x="0" y="0"/>
+          <a:ext cx="0" cy="0"/>
+          <a:chOff x="0" y="0"/>
+          <a:chExt cx="0" cy="0"/>
+        </a:xfrm>
+      </p:grpSpPr>
+      <p:sp>
+        <p:nvSpPr>
+          <p:cNvPr id="124" name="Google Shape;124;p22"/>
+          <p:cNvSpPr txBox="1"/>
+          <p:nvPr>
+            <p:ph type="title"/>
+          </p:nvPr>
+        </p:nvSpPr>
+        <p:spPr>
+          <a:xfrm>
             <a:off x="431800" y="66894"/>
             <a:ext cx="8375700" cy="531000"/>
           </a:xfrm>
@@ -10284,7 +10798,7 @@
       </p:sp>
       <p:sp>
         <p:nvSpPr>
-          <p:cNvPr id="117" name="Google Shape;117;p21"/>
+          <p:cNvPr id="125" name="Google Shape;125;p22"/>
           <p:cNvSpPr/>
           <p:nvPr>
             <p:ph idx="2" type="chart"/>
@@ -10450,7 +10964,7 @@
       </p:sp>
       <p:pic>
         <p:nvPicPr>
-          <p:cNvPr id="118" name="Google Shape;118;p21"/>
+          <p:cNvPr id="126" name="Google Shape;126;p22"/>
           <p:cNvPicPr preferRelativeResize="0"/>
           <p:nvPr/>
         </p:nvPicPr>
@@ -10478,7 +10992,7 @@
       </p:pic>
       <p:sp>
         <p:nvSpPr>
-          <p:cNvPr id="119" name="Google Shape;119;p21"/>
+          <p:cNvPr id="127" name="Google Shape;127;p22"/>
           <p:cNvSpPr/>
           <p:nvPr/>
         </p:nvSpPr>
@@ -10521,7 +11035,7 @@
       </p:sp>
       <p:sp>
         <p:nvSpPr>
-          <p:cNvPr id="120" name="Google Shape;120;p21"/>
+          <p:cNvPr id="128" name="Google Shape;128;p22"/>
           <p:cNvSpPr/>
           <p:nvPr/>
         </p:nvSpPr>
@@ -10564,7 +11078,7 @@
       </p:sp>
       <p:sp>
         <p:nvSpPr>
-          <p:cNvPr id="121" name="Google Shape;121;p21"/>
+          <p:cNvPr id="129" name="Google Shape;129;p22"/>
           <p:cNvSpPr/>
           <p:nvPr/>
         </p:nvSpPr>
@@ -10607,7 +11121,7 @@
       </p:sp>
       <p:sp>
         <p:nvSpPr>
-          <p:cNvPr id="122" name="Google Shape;122;p21"/>
+          <p:cNvPr id="130" name="Google Shape;130;p22"/>
           <p:cNvSpPr/>
           <p:nvPr/>
         </p:nvSpPr>
@@ -10650,7 +11164,7 @@
       </p:sp>
       <p:sp>
         <p:nvSpPr>
-          <p:cNvPr id="123" name="Google Shape;123;p21"/>
+          <p:cNvPr id="131" name="Google Shape;131;p22"/>
           <p:cNvSpPr/>
           <p:nvPr/>
         </p:nvSpPr>
@@ -10693,7 +11207,7 @@
       </p:sp>
       <p:sp>
         <p:nvSpPr>
-          <p:cNvPr id="124" name="Google Shape;124;p21"/>
+          <p:cNvPr id="132" name="Google Shape;132;p22"/>
           <p:cNvSpPr/>
           <p:nvPr/>
         </p:nvSpPr>
@@ -10736,7 +11250,7 @@
       </p:sp>
       <p:sp>
         <p:nvSpPr>
-          <p:cNvPr id="125" name="Google Shape;125;p21"/>
+          <p:cNvPr id="133" name="Google Shape;133;p22"/>
           <p:cNvSpPr txBox="1"/>
           <p:nvPr/>
         </p:nvSpPr>
@@ -10782,7 +11296,7 @@
       </p:sp>
       <p:sp>
         <p:nvSpPr>
-          <p:cNvPr id="126" name="Google Shape;126;p21"/>
+          <p:cNvPr id="134" name="Google Shape;134;p22"/>
           <p:cNvSpPr txBox="1"/>
           <p:nvPr/>
         </p:nvSpPr>
@@ -10824,7 +11338,7 @@
       </p:sp>
       <p:sp>
         <p:nvSpPr>
-          <p:cNvPr id="127" name="Google Shape;127;p21"/>
+          <p:cNvPr id="135" name="Google Shape;135;p22"/>
           <p:cNvSpPr txBox="1"/>
           <p:nvPr/>
         </p:nvSpPr>
@@ -10866,7 +11380,7 @@
       </p:sp>
       <p:sp>
         <p:nvSpPr>
-          <p:cNvPr id="128" name="Google Shape;128;p21"/>
+          <p:cNvPr id="136" name="Google Shape;136;p22"/>
           <p:cNvSpPr txBox="1"/>
           <p:nvPr/>
         </p:nvSpPr>
@@ -10908,7 +11422,7 @@
       </p:sp>
       <p:sp>
         <p:nvSpPr>
-          <p:cNvPr id="129" name="Google Shape;129;p21"/>
+          <p:cNvPr id="137" name="Google Shape;137;p22"/>
           <p:cNvSpPr txBox="1"/>
           <p:nvPr/>
         </p:nvSpPr>
@@ -10954,7 +11468,7 @@
       </p:sp>
       <p:sp>
         <p:nvSpPr>
-          <p:cNvPr id="130" name="Google Shape;130;p21"/>
+          <p:cNvPr id="138" name="Google Shape;138;p22"/>
           <p:cNvSpPr/>
           <p:nvPr/>
         </p:nvSpPr>
@@ -10997,7 +11511,7 @@
       </p:sp>
       <p:sp>
         <p:nvSpPr>
-          <p:cNvPr id="131" name="Google Shape;131;p21"/>
+          <p:cNvPr id="139" name="Google Shape;139;p22"/>
           <p:cNvSpPr/>
           <p:nvPr/>
         </p:nvSpPr>
@@ -11040,7 +11554,7 @@
       </p:sp>
       <p:sp>
         <p:nvSpPr>
-          <p:cNvPr id="132" name="Google Shape;132;p21"/>
+          <p:cNvPr id="140" name="Google Shape;140;p22"/>
           <p:cNvSpPr txBox="1"/>
           <p:nvPr/>
         </p:nvSpPr>
@@ -11086,7 +11600,7 @@
       </p:sp>
       <p:sp>
         <p:nvSpPr>
-          <p:cNvPr id="133" name="Google Shape;133;p21"/>
+          <p:cNvPr id="141" name="Google Shape;141;p22"/>
           <p:cNvSpPr txBox="1"/>
           <p:nvPr/>
         </p:nvSpPr>
@@ -11128,7 +11642,7 @@
       </p:sp>
       <p:sp>
         <p:nvSpPr>
-          <p:cNvPr id="134" name="Google Shape;134;p21"/>
+          <p:cNvPr id="142" name="Google Shape;142;p22"/>
           <p:cNvSpPr/>
           <p:nvPr/>
         </p:nvSpPr>
@@ -11171,7 +11685,7 @@
       </p:sp>
       <p:sp>
         <p:nvSpPr>
-          <p:cNvPr id="135" name="Google Shape;135;p21"/>
+          <p:cNvPr id="143" name="Google Shape;143;p22"/>
           <p:cNvSpPr txBox="1"/>
           <p:nvPr/>
         </p:nvSpPr>
@@ -11213,7 +11727,7 @@
       </p:sp>
       <p:sp>
         <p:nvSpPr>
-          <p:cNvPr id="136" name="Google Shape;136;p21"/>
+          <p:cNvPr id="144" name="Google Shape;144;p22"/>
           <p:cNvSpPr/>
           <p:nvPr/>
         </p:nvSpPr>
@@ -11256,7 +11770,7 @@
       </p:sp>
       <p:sp>
         <p:nvSpPr>
-          <p:cNvPr id="137" name="Google Shape;137;p21"/>
+          <p:cNvPr id="145" name="Google Shape;145;p22"/>
           <p:cNvSpPr txBox="1"/>
           <p:nvPr/>
         </p:nvSpPr>
@@ -11298,7 +11812,7 @@
       </p:sp>
       <p:sp>
         <p:nvSpPr>
-          <p:cNvPr id="138" name="Google Shape;138;p21"/>
+          <p:cNvPr id="146" name="Google Shape;146;p22"/>
           <p:cNvSpPr/>
           <p:nvPr/>
         </p:nvSpPr>
@@ -11341,7 +11855,7 @@
       </p:sp>
       <p:sp>
         <p:nvSpPr>
-          <p:cNvPr id="139" name="Google Shape;139;p21"/>
+          <p:cNvPr id="147" name="Google Shape;147;p22"/>
           <p:cNvSpPr txBox="1"/>
           <p:nvPr/>
         </p:nvSpPr>
@@ -11383,7 +11897,7 @@
       </p:sp>
       <p:sp>
         <p:nvSpPr>
-          <p:cNvPr id="140" name="Google Shape;140;p21"/>
+          <p:cNvPr id="148" name="Google Shape;148;p22"/>
           <p:cNvSpPr/>
           <p:nvPr/>
         </p:nvSpPr>
@@ -11426,7 +11940,7 @@
       </p:sp>
       <p:sp>
         <p:nvSpPr>
-          <p:cNvPr id="141" name="Google Shape;141;p21"/>
+          <p:cNvPr id="149" name="Google Shape;149;p22"/>
           <p:cNvSpPr txBox="1"/>
           <p:nvPr/>
         </p:nvSpPr>
@@ -11468,7 +11982,7 @@
       </p:sp>
       <p:sp>
         <p:nvSpPr>
-          <p:cNvPr id="142" name="Google Shape;142;p21"/>
+          <p:cNvPr id="150" name="Google Shape;150;p22"/>
           <p:cNvSpPr txBox="1"/>
           <p:nvPr/>
         </p:nvSpPr>
@@ -11516,12 +12030,12 @@
 </p:sld>
 </file>
 
-<file path=ppt/slides/slide7.xml><?xml version="1.0" encoding="utf-8"?>
+<file path=ppt/slides/slide8.xml><?xml version="1.0" encoding="utf-8"?>
 <p:sld xmlns:a="http://schemas.openxmlformats.org/drawingml/2006/main" xmlns:r="http://schemas.openxmlformats.org/officeDocument/2006/relationships" xmlns:mc="http://schemas.openxmlformats.org/markup-compatibility/2006" xmlns:mv="urn:schemas-microsoft-com:mac:vml" xmlns:p="http://schemas.openxmlformats.org/presentationml/2006/main" xmlns:c="http://schemas.openxmlformats.org/drawingml/2006/chart" xmlns:dgm="http://schemas.openxmlformats.org/drawingml/2006/diagram" xmlns:o="urn:schemas-microsoft-com:office:office" xmlns:v="urn:schemas-microsoft-com:vml" xmlns:pvml="urn:schemas-microsoft-com:office:powerpoint" xmlns:com="http://schemas.openxmlformats.org/drawingml/2006/compatibility" xmlns:p14="http://schemas.microsoft.com/office/powerpoint/2010/main" xmlns:p15="http://schemas.microsoft.com/office/powerpoint/2012/main" xmlns:ahyp="http://schemas.microsoft.com/office/drawing/2018/hyperlinkcolor">
   <p:cSld>
     <p:spTree>
       <p:nvGrpSpPr>
-        <p:cNvPr id="146" name="Shape 146"/>
+        <p:cNvPr id="154" name="Shape 154"/>
         <p:cNvGrpSpPr/>
         <p:nvPr/>
       </p:nvGrpSpPr>
@@ -11535,7 +12049,7 @@
       </p:grpSpPr>
       <p:sp>
         <p:nvSpPr>
-          <p:cNvPr id="147" name="Google Shape;147;p22"/>
+          <p:cNvPr id="155" name="Google Shape;155;p23"/>
           <p:cNvSpPr txBox="1"/>
           <p:nvPr>
             <p:ph type="title"/>
@@ -11567,7 +12081,7 @@
             </a:pPr>
             <a:r>
               <a:rPr lang="de"/>
-              <a:t>3. Durchsuchen von Dateisystemen</a:t>
+              <a:t>4. Rekursives Durchsuchen von Dateisystemen</a:t>
             </a:r>
             <a:endParaRPr/>
           </a:p>
@@ -11575,7 +12089,7 @@
       </p:sp>
       <p:sp>
         <p:nvSpPr>
-          <p:cNvPr id="148" name="Google Shape;148;p22"/>
+          <p:cNvPr id="156" name="Google Shape;156;p23"/>
           <p:cNvSpPr/>
           <p:nvPr>
             <p:ph idx="2" type="chart"/>
@@ -11796,12 +12310,12 @@
 </p:sld>
 </file>
 
-<file path=ppt/slides/slide8.xml><?xml version="1.0" encoding="utf-8"?>
+<file path=ppt/slides/slide9.xml><?xml version="1.0" encoding="utf-8"?>
 <p:sld xmlns:a="http://schemas.openxmlformats.org/drawingml/2006/main" xmlns:r="http://schemas.openxmlformats.org/officeDocument/2006/relationships" xmlns:mc="http://schemas.openxmlformats.org/markup-compatibility/2006" xmlns:mv="urn:schemas-microsoft-com:mac:vml" xmlns:p="http://schemas.openxmlformats.org/presentationml/2006/main" xmlns:c="http://schemas.openxmlformats.org/drawingml/2006/chart" xmlns:dgm="http://schemas.openxmlformats.org/drawingml/2006/diagram" xmlns:o="urn:schemas-microsoft-com:office:office" xmlns:v="urn:schemas-microsoft-com:vml" xmlns:pvml="urn:schemas-microsoft-com:office:powerpoint" xmlns:com="http://schemas.openxmlformats.org/drawingml/2006/compatibility" xmlns:p14="http://schemas.microsoft.com/office/powerpoint/2010/main" xmlns:p15="http://schemas.microsoft.com/office/powerpoint/2012/main" xmlns:ahyp="http://schemas.microsoft.com/office/drawing/2018/hyperlinkcolor">
   <p:cSld>
     <p:spTree>
       <p:nvGrpSpPr>
-        <p:cNvPr id="152" name="Shape 152"/>
+        <p:cNvPr id="160" name="Shape 160"/>
         <p:cNvGrpSpPr/>
         <p:nvPr/>
       </p:nvGrpSpPr>
@@ -11815,7 +12329,7 @@
       </p:grpSpPr>
       <p:sp>
         <p:nvSpPr>
-          <p:cNvPr id="153" name="Google Shape;153;p23"/>
+          <p:cNvPr id="161" name="Google Shape;161;p24"/>
           <p:cNvSpPr txBox="1"/>
           <p:nvPr>
             <p:ph type="title"/>
@@ -11847,7 +12361,7 @@
             </a:pPr>
             <a:r>
               <a:rPr lang="de"/>
-              <a:t>4. Fragen</a:t>
+              <a:t>5. Fragen</a:t>
             </a:r>
             <a:endParaRPr/>
           </a:p>
@@ -11855,7 +12369,7 @@
       </p:sp>
       <p:sp>
         <p:nvSpPr>
-          <p:cNvPr id="154" name="Google Shape;154;p23"/>
+          <p:cNvPr id="162" name="Google Shape;162;p24"/>
           <p:cNvSpPr/>
           <p:nvPr>
             <p:ph idx="2" type="chart"/>
@@ -12010,237 +12524,6 @@
               <a:t>Fragen</a:t>
             </a:r>
             <a:endParaRPr/>
-          </a:p>
-        </p:txBody>
-      </p:sp>
-    </p:spTree>
-  </p:cSld>
-  <p:clrMapOvr>
-    <a:masterClrMapping/>
-  </p:clrMapOvr>
-</p:sld>
-</file>
-
-<file path=ppt/slides/slide9.xml><?xml version="1.0" encoding="utf-8"?>
-<p:sld xmlns:a="http://schemas.openxmlformats.org/drawingml/2006/main" xmlns:r="http://schemas.openxmlformats.org/officeDocument/2006/relationships" xmlns:mc="http://schemas.openxmlformats.org/markup-compatibility/2006" xmlns:mv="urn:schemas-microsoft-com:mac:vml" xmlns:p="http://schemas.openxmlformats.org/presentationml/2006/main" xmlns:c="http://schemas.openxmlformats.org/drawingml/2006/chart" xmlns:dgm="http://schemas.openxmlformats.org/drawingml/2006/diagram" xmlns:o="urn:schemas-microsoft-com:office:office" xmlns:v="urn:schemas-microsoft-com:vml" xmlns:pvml="urn:schemas-microsoft-com:office:powerpoint" xmlns:com="http://schemas.openxmlformats.org/drawingml/2006/compatibility" xmlns:p14="http://schemas.microsoft.com/office/powerpoint/2010/main" xmlns:p15="http://schemas.microsoft.com/office/powerpoint/2012/main" xmlns:ahyp="http://schemas.microsoft.com/office/drawing/2018/hyperlinkcolor">
-  <p:cSld>
-    <p:spTree>
-      <p:nvGrpSpPr>
-        <p:cNvPr id="158" name="Shape 158"/>
-        <p:cNvGrpSpPr/>
-        <p:nvPr/>
-      </p:nvGrpSpPr>
-      <p:grpSpPr>
-        <a:xfrm>
-          <a:off x="0" y="0"/>
-          <a:ext cx="0" cy="0"/>
-          <a:chOff x="0" y="0"/>
-          <a:chExt cx="0" cy="0"/>
-        </a:xfrm>
-      </p:grpSpPr>
-      <p:sp>
-        <p:nvSpPr>
-          <p:cNvPr id="159" name="Google Shape;159;p24"/>
-          <p:cNvSpPr txBox="1"/>
-          <p:nvPr>
-            <p:ph type="title"/>
-          </p:nvPr>
-        </p:nvSpPr>
-        <p:spPr>
-          <a:xfrm>
-            <a:off x="431800" y="83344"/>
-            <a:ext cx="8375700" cy="531000"/>
-          </a:xfrm>
-          <a:prstGeom prst="rect">
-            <a:avLst/>
-          </a:prstGeom>
-        </p:spPr>
-        <p:txBody>
-          <a:bodyPr anchorCtr="0" anchor="b" bIns="0" lIns="0" spcFirstLastPara="1" rIns="0" wrap="square" tIns="0">
-            <a:noAutofit/>
-          </a:bodyPr>
-          <a:lstStyle/>
-          <a:p>
-            <a:pPr indent="0" lvl="0" marL="0" rtl="0" algn="l">
-              <a:spcBef>
-                <a:spcPts val="0"/>
-              </a:spcBef>
-              <a:spcAft>
-                <a:spcPts val="0"/>
-              </a:spcAft>
-              <a:buNone/>
-            </a:pPr>
-            <a:r>
-              <a:rPr lang="de"/>
-              <a:t>5. Übungsaufgabe</a:t>
-            </a:r>
-            <a:endParaRPr/>
-          </a:p>
-        </p:txBody>
-      </p:sp>
-      <p:sp>
-        <p:nvSpPr>
-          <p:cNvPr id="160" name="Google Shape;160;p24"/>
-          <p:cNvSpPr/>
-          <p:nvPr>
-            <p:ph idx="2" type="chart"/>
-          </p:nvPr>
-        </p:nvSpPr>
-        <p:spPr>
-          <a:xfrm>
-            <a:off x="431800" y="782241"/>
-            <a:ext cx="8375700" cy="3579000"/>
-          </a:xfrm>
-          <a:prstGeom prst="rect">
-            <a:avLst/>
-          </a:prstGeom>
-        </p:spPr>
-        <p:txBody>
-          <a:bodyPr anchorCtr="0" anchor="t" bIns="0" lIns="0" spcFirstLastPara="1" rIns="0" wrap="square" tIns="0">
-            <a:noAutofit/>
-          </a:bodyPr>
-          <a:lstStyle/>
-          <a:p>
-            <a:pPr indent="0" lvl="0" marL="0" rtl="0" algn="l">
-              <a:spcBef>
-                <a:spcPts val="320"/>
-              </a:spcBef>
-              <a:spcAft>
-                <a:spcPts val="0"/>
-              </a:spcAft>
-              <a:buNone/>
-            </a:pPr>
-            <a:r>
-              <a:rPr lang="de" sz="1500"/>
-              <a:t>Ein weiterer bekannter Anwendungsfall für Rekursion sind die Fibonacci-Zahlen. Fibonacci Zahlen ergeben sich nach der Formel F(n) = F(n-2) + F(n-1), wobei F(0) = 0 und F(1) = 1 gilt.</a:t>
-            </a:r>
-            <a:endParaRPr sz="1500"/>
-          </a:p>
-          <a:p>
-            <a:pPr indent="0" lvl="0" marL="0" rtl="0" algn="l">
-              <a:spcBef>
-                <a:spcPts val="320"/>
-              </a:spcBef>
-              <a:spcAft>
-                <a:spcPts val="0"/>
-              </a:spcAft>
-              <a:buNone/>
-            </a:pPr>
-            <a:r>
-              <a:rPr lang="de" sz="1500"/>
-              <a:t>F(2) = F(0) + F(1) = 0 + 1 = 1, </a:t>
-            </a:r>
-            <a:endParaRPr sz="1500"/>
-          </a:p>
-          <a:p>
-            <a:pPr indent="0" lvl="0" marL="0" rtl="0" algn="l">
-              <a:spcBef>
-                <a:spcPts val="320"/>
-              </a:spcBef>
-              <a:spcAft>
-                <a:spcPts val="0"/>
-              </a:spcAft>
-              <a:buNone/>
-            </a:pPr>
-            <a:r>
-              <a:rPr lang="de" sz="1500"/>
-              <a:t>F(3) = F(1) + F(2) = 1 + 1 = 2,</a:t>
-            </a:r>
-            <a:endParaRPr sz="1500"/>
-          </a:p>
-          <a:p>
-            <a:pPr indent="0" lvl="0" marL="0" rtl="0" algn="l">
-              <a:spcBef>
-                <a:spcPts val="320"/>
-              </a:spcBef>
-              <a:spcAft>
-                <a:spcPts val="0"/>
-              </a:spcAft>
-              <a:buNone/>
-            </a:pPr>
-            <a:r>
-              <a:rPr lang="de" sz="1500"/>
-              <a:t>...</a:t>
-            </a:r>
-            <a:endParaRPr sz="1500"/>
-          </a:p>
-          <a:p>
-            <a:pPr indent="0" lvl="0" marL="0" rtl="0" algn="l">
-              <a:spcBef>
-                <a:spcPts val="320"/>
-              </a:spcBef>
-              <a:spcAft>
-                <a:spcPts val="0"/>
-              </a:spcAft>
-              <a:buNone/>
-            </a:pPr>
-            <a:r>
-              <a:t/>
-            </a:r>
-            <a:endParaRPr sz="1500"/>
-          </a:p>
-          <a:p>
-            <a:pPr indent="0" lvl="0" marL="0" rtl="0" algn="l">
-              <a:spcBef>
-                <a:spcPts val="320"/>
-              </a:spcBef>
-              <a:spcAft>
-                <a:spcPts val="0"/>
-              </a:spcAft>
-              <a:buNone/>
-            </a:pPr>
-            <a:r>
-              <a:rPr lang="de" sz="1500"/>
-              <a:t>Deine Aufgabe ist es, eine rekursive Funktion zur Berechnung von Fibonacci-Zahlen zu schreiben. Die Funktion nimmt als Parameter den Index der Fibonacci-Zahl, es lässt sich also bspw. die 7. Fibonacci-Zahl berechnen, indem man die Funktion mit dem Parameter 7 aufruft.</a:t>
-            </a:r>
-            <a:endParaRPr sz="1500"/>
-          </a:p>
-          <a:p>
-            <a:pPr indent="0" lvl="0" marL="0" rtl="0" algn="l">
-              <a:spcBef>
-                <a:spcPts val="320"/>
-              </a:spcBef>
-              <a:spcAft>
-                <a:spcPts val="0"/>
-              </a:spcAft>
-              <a:buNone/>
-            </a:pPr>
-            <a:r>
-              <a:rPr lang="de" sz="1500"/>
-              <a:t>Die Funktion lässt sich (wenn man das Abfangen von negativen Parametern rauslässt) in maximal 4 Zeilen schreiben.</a:t>
-            </a:r>
-            <a:endParaRPr sz="1500"/>
-          </a:p>
-          <a:p>
-            <a:pPr indent="0" lvl="0" marL="0" rtl="0" algn="l">
-              <a:spcBef>
-                <a:spcPts val="320"/>
-              </a:spcBef>
-              <a:spcAft>
-                <a:spcPts val="0"/>
-              </a:spcAft>
-              <a:buNone/>
-            </a:pPr>
-            <a:r>
-              <a:t/>
-            </a:r>
-            <a:endParaRPr sz="1500"/>
-          </a:p>
-          <a:p>
-            <a:pPr indent="0" lvl="0" marL="0" rtl="0" algn="l">
-              <a:spcBef>
-                <a:spcPts val="320"/>
-              </a:spcBef>
-              <a:spcAft>
-                <a:spcPts val="0"/>
-              </a:spcAft>
-              <a:buNone/>
-            </a:pPr>
-            <a:r>
-              <a:rPr lang="de" sz="1500"/>
-              <a:t>Wenn du damit fertig bist, kannst du die Rekursionsaufrufe analog zu dem Fakultäten-Beispiel, z.B. für den Parameter 5, visualisieren. Eine baumartige Darstellung bietet sich in diesem Kontext an.</a:t>
-            </a:r>
-            <a:endParaRPr sz="1500"/>
           </a:p>
         </p:txBody>
       </p:sp>

--- a/slides/08_recursion_1.pptx
+++ b/slides/08_recursion_1.pptx
@@ -1308,7 +1308,7 @@
       </p:grpSpPr>
       <p:sp>
         <p:nvSpPr>
-          <p:cNvPr id="113" name="Google Shape;113;gfad42bd37b_0_0:notes"/>
+          <p:cNvPr id="113" name="Google Shape;113;gcb590e6224_0_99:notes"/>
           <p:cNvSpPr/>
           <p:nvPr>
             <p:ph idx="2" type="sldImg"/>
@@ -1343,7 +1343,7 @@
       </p:sp>
       <p:sp>
         <p:nvSpPr>
-          <p:cNvPr id="114" name="Google Shape;114;gfad42bd37b_0_0:notes"/>
+          <p:cNvPr id="114" name="Google Shape;114;gcb590e6224_0_99:notes"/>
           <p:cNvSpPr txBox="1"/>
           <p:nvPr>
             <p:ph idx="1" type="body"/>
@@ -1393,7 +1393,7 @@
   <p:cSld>
     <p:spTree>
       <p:nvGrpSpPr>
-        <p:cNvPr id="120" name="Shape 120"/>
+        <p:cNvPr id="143" name="Shape 143"/>
         <p:cNvGrpSpPr/>
         <p:nvPr/>
       </p:nvGrpSpPr>
@@ -1407,7 +1407,7 @@
       </p:grpSpPr>
       <p:sp>
         <p:nvSpPr>
-          <p:cNvPr id="121" name="Google Shape;121;gcb590e6224_0_99:notes"/>
+          <p:cNvPr id="144" name="Google Shape;144;gfad42bd37b_0_0:notes"/>
           <p:cNvSpPr/>
           <p:nvPr>
             <p:ph idx="2" type="sldImg"/>
@@ -1442,7 +1442,7 @@
       </p:sp>
       <p:sp>
         <p:nvSpPr>
-          <p:cNvPr id="122" name="Google Shape;122;gcb590e6224_0_99:notes"/>
+          <p:cNvPr id="145" name="Google Shape;145;gfad42bd37b_0_0:notes"/>
           <p:cNvSpPr txBox="1"/>
           <p:nvPr>
             <p:ph idx="1" type="body"/>
@@ -10589,183 +10589,6 @@
         </p:nvSpPr>
         <p:spPr>
           <a:xfrm>
-            <a:off x="431800" y="83344"/>
-            <a:ext cx="8375700" cy="531000"/>
-          </a:xfrm>
-          <a:prstGeom prst="rect">
-            <a:avLst/>
-          </a:prstGeom>
-        </p:spPr>
-        <p:txBody>
-          <a:bodyPr anchorCtr="0" anchor="b" bIns="0" lIns="0" spcFirstLastPara="1" rIns="0" wrap="square" tIns="0">
-            <a:noAutofit/>
-          </a:bodyPr>
-          <a:lstStyle/>
-          <a:p>
-            <a:pPr indent="0" lvl="0" marL="0" rtl="0" algn="l">
-              <a:spcBef>
-                <a:spcPts val="0"/>
-              </a:spcBef>
-              <a:spcAft>
-                <a:spcPts val="0"/>
-              </a:spcAft>
-              <a:buNone/>
-            </a:pPr>
-            <a:r>
-              <a:rPr lang="de"/>
-              <a:t>3. Rätsel: Was machen diese Funktionen?</a:t>
-            </a:r>
-            <a:endParaRPr/>
-          </a:p>
-        </p:txBody>
-      </p:sp>
-      <p:sp>
-        <p:nvSpPr>
-          <p:cNvPr id="117" name="Google Shape;117;p21"/>
-          <p:cNvSpPr/>
-          <p:nvPr>
-            <p:ph idx="2" type="chart"/>
-          </p:nvPr>
-        </p:nvSpPr>
-        <p:spPr>
-          <a:xfrm>
-            <a:off x="431800" y="782241"/>
-            <a:ext cx="8375700" cy="3579000"/>
-          </a:xfrm>
-          <a:prstGeom prst="rect">
-            <a:avLst/>
-          </a:prstGeom>
-        </p:spPr>
-        <p:txBody>
-          <a:bodyPr anchorCtr="0" anchor="t" bIns="0" lIns="0" spcFirstLastPara="1" rIns="0" wrap="square" tIns="0">
-            <a:noAutofit/>
-          </a:bodyPr>
-          <a:lstStyle/>
-          <a:p>
-            <a:pPr indent="0" lvl="0" marL="0" rtl="0" algn="l">
-              <a:spcBef>
-                <a:spcPts val="320"/>
-              </a:spcBef>
-              <a:spcAft>
-                <a:spcPts val="0"/>
-              </a:spcAft>
-              <a:buNone/>
-            </a:pPr>
-            <a:r>
-              <a:rPr lang="de"/>
-              <a:t>Was machen diese beiden Funktionen? </a:t>
-            </a:r>
-            <a:endParaRPr/>
-          </a:p>
-          <a:p>
-            <a:pPr indent="0" lvl="0" marL="0" rtl="0" algn="l">
-              <a:spcBef>
-                <a:spcPts val="320"/>
-              </a:spcBef>
-              <a:spcAft>
-                <a:spcPts val="0"/>
-              </a:spcAft>
-              <a:buNone/>
-            </a:pPr>
-            <a:r>
-              <a:rPr lang="de"/>
-              <a:t>Was unterscheidet sie?</a:t>
-            </a:r>
-            <a:endParaRPr/>
-          </a:p>
-        </p:txBody>
-      </p:sp>
-      <p:pic>
-        <p:nvPicPr>
-          <p:cNvPr id="118" name="Google Shape;118;p21"/>
-          <p:cNvPicPr preferRelativeResize="0"/>
-          <p:nvPr/>
-        </p:nvPicPr>
-        <p:blipFill>
-          <a:blip r:embed="rId3">
-            <a:alphaModFix/>
-          </a:blip>
-          <a:stretch>
-            <a:fillRect/>
-          </a:stretch>
-        </p:blipFill>
-        <p:spPr>
-          <a:xfrm>
-            <a:off x="431800" y="1749038"/>
-            <a:ext cx="3778384" cy="1645425"/>
-          </a:xfrm>
-          <a:prstGeom prst="rect">
-            <a:avLst/>
-          </a:prstGeom>
-          <a:noFill/>
-          <a:ln>
-            <a:noFill/>
-          </a:ln>
-        </p:spPr>
-      </p:pic>
-      <p:pic>
-        <p:nvPicPr>
-          <p:cNvPr id="119" name="Google Shape;119;p21"/>
-          <p:cNvPicPr preferRelativeResize="0"/>
-          <p:nvPr/>
-        </p:nvPicPr>
-        <p:blipFill>
-          <a:blip r:embed="rId4">
-            <a:alphaModFix/>
-          </a:blip>
-          <a:stretch>
-            <a:fillRect/>
-          </a:stretch>
-        </p:blipFill>
-        <p:spPr>
-          <a:xfrm>
-            <a:off x="5041325" y="1749038"/>
-            <a:ext cx="3766175" cy="1645425"/>
-          </a:xfrm>
-          <a:prstGeom prst="rect">
-            <a:avLst/>
-          </a:prstGeom>
-          <a:noFill/>
-          <a:ln>
-            <a:noFill/>
-          </a:ln>
-        </p:spPr>
-      </p:pic>
-    </p:spTree>
-  </p:cSld>
-  <p:clrMapOvr>
-    <a:masterClrMapping/>
-  </p:clrMapOvr>
-</p:sld>
-</file>
-
-<file path=ppt/slides/slide7.xml><?xml version="1.0" encoding="utf-8"?>
-<p:sld xmlns:a="http://schemas.openxmlformats.org/drawingml/2006/main" xmlns:r="http://schemas.openxmlformats.org/officeDocument/2006/relationships" xmlns:mc="http://schemas.openxmlformats.org/markup-compatibility/2006" xmlns:mv="urn:schemas-microsoft-com:mac:vml" xmlns:p="http://schemas.openxmlformats.org/presentationml/2006/main" xmlns:c="http://schemas.openxmlformats.org/drawingml/2006/chart" xmlns:dgm="http://schemas.openxmlformats.org/drawingml/2006/diagram" xmlns:o="urn:schemas-microsoft-com:office:office" xmlns:v="urn:schemas-microsoft-com:vml" xmlns:pvml="urn:schemas-microsoft-com:office:powerpoint" xmlns:com="http://schemas.openxmlformats.org/drawingml/2006/compatibility" xmlns:p14="http://schemas.microsoft.com/office/powerpoint/2010/main" xmlns:p15="http://schemas.microsoft.com/office/powerpoint/2012/main" xmlns:ahyp="http://schemas.microsoft.com/office/drawing/2018/hyperlinkcolor">
-  <p:cSld>
-    <p:spTree>
-      <p:nvGrpSpPr>
-        <p:cNvPr id="123" name="Shape 123"/>
-        <p:cNvGrpSpPr/>
-        <p:nvPr/>
-      </p:nvGrpSpPr>
-      <p:grpSpPr>
-        <a:xfrm>
-          <a:off x="0" y="0"/>
-          <a:ext cx="0" cy="0"/>
-          <a:chOff x="0" y="0"/>
-          <a:chExt cx="0" cy="0"/>
-        </a:xfrm>
-      </p:grpSpPr>
-      <p:sp>
-        <p:nvSpPr>
-          <p:cNvPr id="124" name="Google Shape;124;p22"/>
-          <p:cNvSpPr txBox="1"/>
-          <p:nvPr>
-            <p:ph type="title"/>
-          </p:nvPr>
-        </p:nvSpPr>
-        <p:spPr>
-          <a:xfrm>
             <a:off x="431800" y="66894"/>
             <a:ext cx="8375700" cy="531000"/>
           </a:xfrm>
@@ -10798,7 +10621,7 @@
       </p:sp>
       <p:sp>
         <p:nvSpPr>
-          <p:cNvPr id="125" name="Google Shape;125;p22"/>
+          <p:cNvPr id="117" name="Google Shape;117;p21"/>
           <p:cNvSpPr/>
           <p:nvPr>
             <p:ph idx="2" type="chart"/>
@@ -10964,7 +10787,7 @@
       </p:sp>
       <p:pic>
         <p:nvPicPr>
-          <p:cNvPr id="126" name="Google Shape;126;p22"/>
+          <p:cNvPr id="118" name="Google Shape;118;p21"/>
           <p:cNvPicPr preferRelativeResize="0"/>
           <p:nvPr/>
         </p:nvPicPr>
@@ -10992,7 +10815,7 @@
       </p:pic>
       <p:sp>
         <p:nvSpPr>
-          <p:cNvPr id="127" name="Google Shape;127;p22"/>
+          <p:cNvPr id="119" name="Google Shape;119;p21"/>
           <p:cNvSpPr/>
           <p:nvPr/>
         </p:nvSpPr>
@@ -11035,7 +10858,7 @@
       </p:sp>
       <p:sp>
         <p:nvSpPr>
-          <p:cNvPr id="128" name="Google Shape;128;p22"/>
+          <p:cNvPr id="120" name="Google Shape;120;p21"/>
           <p:cNvSpPr/>
           <p:nvPr/>
         </p:nvSpPr>
@@ -11078,7 +10901,7 @@
       </p:sp>
       <p:sp>
         <p:nvSpPr>
-          <p:cNvPr id="129" name="Google Shape;129;p22"/>
+          <p:cNvPr id="121" name="Google Shape;121;p21"/>
           <p:cNvSpPr/>
           <p:nvPr/>
         </p:nvSpPr>
@@ -11121,7 +10944,7 @@
       </p:sp>
       <p:sp>
         <p:nvSpPr>
-          <p:cNvPr id="130" name="Google Shape;130;p22"/>
+          <p:cNvPr id="122" name="Google Shape;122;p21"/>
           <p:cNvSpPr/>
           <p:nvPr/>
         </p:nvSpPr>
@@ -11164,7 +10987,7 @@
       </p:sp>
       <p:sp>
         <p:nvSpPr>
-          <p:cNvPr id="131" name="Google Shape;131;p22"/>
+          <p:cNvPr id="123" name="Google Shape;123;p21"/>
           <p:cNvSpPr/>
           <p:nvPr/>
         </p:nvSpPr>
@@ -11207,7 +11030,7 @@
       </p:sp>
       <p:sp>
         <p:nvSpPr>
-          <p:cNvPr id="132" name="Google Shape;132;p22"/>
+          <p:cNvPr id="124" name="Google Shape;124;p21"/>
           <p:cNvSpPr/>
           <p:nvPr/>
         </p:nvSpPr>
@@ -11250,7 +11073,7 @@
       </p:sp>
       <p:sp>
         <p:nvSpPr>
-          <p:cNvPr id="133" name="Google Shape;133;p22"/>
+          <p:cNvPr id="125" name="Google Shape;125;p21"/>
           <p:cNvSpPr txBox="1"/>
           <p:nvPr/>
         </p:nvSpPr>
@@ -11296,7 +11119,7 @@
       </p:sp>
       <p:sp>
         <p:nvSpPr>
-          <p:cNvPr id="134" name="Google Shape;134;p22"/>
+          <p:cNvPr id="126" name="Google Shape;126;p21"/>
           <p:cNvSpPr txBox="1"/>
           <p:nvPr/>
         </p:nvSpPr>
@@ -11338,7 +11161,7 @@
       </p:sp>
       <p:sp>
         <p:nvSpPr>
-          <p:cNvPr id="135" name="Google Shape;135;p22"/>
+          <p:cNvPr id="127" name="Google Shape;127;p21"/>
           <p:cNvSpPr txBox="1"/>
           <p:nvPr/>
         </p:nvSpPr>
@@ -11380,7 +11203,7 @@
       </p:sp>
       <p:sp>
         <p:nvSpPr>
-          <p:cNvPr id="136" name="Google Shape;136;p22"/>
+          <p:cNvPr id="128" name="Google Shape;128;p21"/>
           <p:cNvSpPr txBox="1"/>
           <p:nvPr/>
         </p:nvSpPr>
@@ -11422,7 +11245,7 @@
       </p:sp>
       <p:sp>
         <p:nvSpPr>
-          <p:cNvPr id="137" name="Google Shape;137;p22"/>
+          <p:cNvPr id="129" name="Google Shape;129;p21"/>
           <p:cNvSpPr txBox="1"/>
           <p:nvPr/>
         </p:nvSpPr>
@@ -11468,7 +11291,7 @@
       </p:sp>
       <p:sp>
         <p:nvSpPr>
-          <p:cNvPr id="138" name="Google Shape;138;p22"/>
+          <p:cNvPr id="130" name="Google Shape;130;p21"/>
           <p:cNvSpPr/>
           <p:nvPr/>
         </p:nvSpPr>
@@ -11511,7 +11334,7 @@
       </p:sp>
       <p:sp>
         <p:nvSpPr>
-          <p:cNvPr id="139" name="Google Shape;139;p22"/>
+          <p:cNvPr id="131" name="Google Shape;131;p21"/>
           <p:cNvSpPr/>
           <p:nvPr/>
         </p:nvSpPr>
@@ -11554,7 +11377,7 @@
       </p:sp>
       <p:sp>
         <p:nvSpPr>
-          <p:cNvPr id="140" name="Google Shape;140;p22"/>
+          <p:cNvPr id="132" name="Google Shape;132;p21"/>
           <p:cNvSpPr txBox="1"/>
           <p:nvPr/>
         </p:nvSpPr>
@@ -11600,7 +11423,7 @@
       </p:sp>
       <p:sp>
         <p:nvSpPr>
-          <p:cNvPr id="141" name="Google Shape;141;p22"/>
+          <p:cNvPr id="133" name="Google Shape;133;p21"/>
           <p:cNvSpPr txBox="1"/>
           <p:nvPr/>
         </p:nvSpPr>
@@ -11642,7 +11465,7 @@
       </p:sp>
       <p:sp>
         <p:nvSpPr>
-          <p:cNvPr id="142" name="Google Shape;142;p22"/>
+          <p:cNvPr id="134" name="Google Shape;134;p21"/>
           <p:cNvSpPr/>
           <p:nvPr/>
         </p:nvSpPr>
@@ -11685,7 +11508,7 @@
       </p:sp>
       <p:sp>
         <p:nvSpPr>
-          <p:cNvPr id="143" name="Google Shape;143;p22"/>
+          <p:cNvPr id="135" name="Google Shape;135;p21"/>
           <p:cNvSpPr txBox="1"/>
           <p:nvPr/>
         </p:nvSpPr>
@@ -11727,7 +11550,7 @@
       </p:sp>
       <p:sp>
         <p:nvSpPr>
-          <p:cNvPr id="144" name="Google Shape;144;p22"/>
+          <p:cNvPr id="136" name="Google Shape;136;p21"/>
           <p:cNvSpPr/>
           <p:nvPr/>
         </p:nvSpPr>
@@ -11770,7 +11593,7 @@
       </p:sp>
       <p:sp>
         <p:nvSpPr>
-          <p:cNvPr id="145" name="Google Shape;145;p22"/>
+          <p:cNvPr id="137" name="Google Shape;137;p21"/>
           <p:cNvSpPr txBox="1"/>
           <p:nvPr/>
         </p:nvSpPr>
@@ -11812,7 +11635,7 @@
       </p:sp>
       <p:sp>
         <p:nvSpPr>
-          <p:cNvPr id="146" name="Google Shape;146;p22"/>
+          <p:cNvPr id="138" name="Google Shape;138;p21"/>
           <p:cNvSpPr/>
           <p:nvPr/>
         </p:nvSpPr>
@@ -11855,7 +11678,7 @@
       </p:sp>
       <p:sp>
         <p:nvSpPr>
-          <p:cNvPr id="147" name="Google Shape;147;p22"/>
+          <p:cNvPr id="139" name="Google Shape;139;p21"/>
           <p:cNvSpPr txBox="1"/>
           <p:nvPr/>
         </p:nvSpPr>
@@ -11897,7 +11720,7 @@
       </p:sp>
       <p:sp>
         <p:nvSpPr>
-          <p:cNvPr id="148" name="Google Shape;148;p22"/>
+          <p:cNvPr id="140" name="Google Shape;140;p21"/>
           <p:cNvSpPr/>
           <p:nvPr/>
         </p:nvSpPr>
@@ -11940,7 +11763,7 @@
       </p:sp>
       <p:sp>
         <p:nvSpPr>
-          <p:cNvPr id="149" name="Google Shape;149;p22"/>
+          <p:cNvPr id="141" name="Google Shape;141;p21"/>
           <p:cNvSpPr txBox="1"/>
           <p:nvPr/>
         </p:nvSpPr>
@@ -11982,7 +11805,7 @@
       </p:sp>
       <p:sp>
         <p:nvSpPr>
-          <p:cNvPr id="150" name="Google Shape;150;p22"/>
+          <p:cNvPr id="142" name="Google Shape;142;p21"/>
           <p:cNvSpPr txBox="1"/>
           <p:nvPr/>
         </p:nvSpPr>
@@ -12022,6 +11845,183 @@
           </a:p>
         </p:txBody>
       </p:sp>
+    </p:spTree>
+  </p:cSld>
+  <p:clrMapOvr>
+    <a:masterClrMapping/>
+  </p:clrMapOvr>
+</p:sld>
+</file>
+
+<file path=ppt/slides/slide7.xml><?xml version="1.0" encoding="utf-8"?>
+<p:sld xmlns:a="http://schemas.openxmlformats.org/drawingml/2006/main" xmlns:r="http://schemas.openxmlformats.org/officeDocument/2006/relationships" xmlns:mc="http://schemas.openxmlformats.org/markup-compatibility/2006" xmlns:mv="urn:schemas-microsoft-com:mac:vml" xmlns:p="http://schemas.openxmlformats.org/presentationml/2006/main" xmlns:c="http://schemas.openxmlformats.org/drawingml/2006/chart" xmlns:dgm="http://schemas.openxmlformats.org/drawingml/2006/diagram" xmlns:o="urn:schemas-microsoft-com:office:office" xmlns:v="urn:schemas-microsoft-com:vml" xmlns:pvml="urn:schemas-microsoft-com:office:powerpoint" xmlns:com="http://schemas.openxmlformats.org/drawingml/2006/compatibility" xmlns:p14="http://schemas.microsoft.com/office/powerpoint/2010/main" xmlns:p15="http://schemas.microsoft.com/office/powerpoint/2012/main" xmlns:ahyp="http://schemas.microsoft.com/office/drawing/2018/hyperlinkcolor">
+  <p:cSld>
+    <p:spTree>
+      <p:nvGrpSpPr>
+        <p:cNvPr id="146" name="Shape 146"/>
+        <p:cNvGrpSpPr/>
+        <p:nvPr/>
+      </p:nvGrpSpPr>
+      <p:grpSpPr>
+        <a:xfrm>
+          <a:off x="0" y="0"/>
+          <a:ext cx="0" cy="0"/>
+          <a:chOff x="0" y="0"/>
+          <a:chExt cx="0" cy="0"/>
+        </a:xfrm>
+      </p:grpSpPr>
+      <p:sp>
+        <p:nvSpPr>
+          <p:cNvPr id="147" name="Google Shape;147;p22"/>
+          <p:cNvSpPr txBox="1"/>
+          <p:nvPr>
+            <p:ph type="title"/>
+          </p:nvPr>
+        </p:nvSpPr>
+        <p:spPr>
+          <a:xfrm>
+            <a:off x="431800" y="83344"/>
+            <a:ext cx="8375700" cy="531000"/>
+          </a:xfrm>
+          <a:prstGeom prst="rect">
+            <a:avLst/>
+          </a:prstGeom>
+        </p:spPr>
+        <p:txBody>
+          <a:bodyPr anchorCtr="0" anchor="b" bIns="0" lIns="0" spcFirstLastPara="1" rIns="0" wrap="square" tIns="0">
+            <a:noAutofit/>
+          </a:bodyPr>
+          <a:lstStyle/>
+          <a:p>
+            <a:pPr indent="0" lvl="0" marL="0" rtl="0" algn="l">
+              <a:spcBef>
+                <a:spcPts val="0"/>
+              </a:spcBef>
+              <a:spcAft>
+                <a:spcPts val="0"/>
+              </a:spcAft>
+              <a:buNone/>
+            </a:pPr>
+            <a:r>
+              <a:rPr lang="de"/>
+              <a:t>3. Rätsel: Was machen diese Funktionen?</a:t>
+            </a:r>
+            <a:endParaRPr/>
+          </a:p>
+        </p:txBody>
+      </p:sp>
+      <p:sp>
+        <p:nvSpPr>
+          <p:cNvPr id="148" name="Google Shape;148;p22"/>
+          <p:cNvSpPr/>
+          <p:nvPr>
+            <p:ph idx="2" type="chart"/>
+          </p:nvPr>
+        </p:nvSpPr>
+        <p:spPr>
+          <a:xfrm>
+            <a:off x="431800" y="782241"/>
+            <a:ext cx="8375700" cy="3579000"/>
+          </a:xfrm>
+          <a:prstGeom prst="rect">
+            <a:avLst/>
+          </a:prstGeom>
+        </p:spPr>
+        <p:txBody>
+          <a:bodyPr anchorCtr="0" anchor="t" bIns="0" lIns="0" spcFirstLastPara="1" rIns="0" wrap="square" tIns="0">
+            <a:noAutofit/>
+          </a:bodyPr>
+          <a:lstStyle/>
+          <a:p>
+            <a:pPr indent="0" lvl="0" marL="0" rtl="0" algn="l">
+              <a:spcBef>
+                <a:spcPts val="320"/>
+              </a:spcBef>
+              <a:spcAft>
+                <a:spcPts val="0"/>
+              </a:spcAft>
+              <a:buNone/>
+            </a:pPr>
+            <a:r>
+              <a:rPr lang="de"/>
+              <a:t>Was machen diese beiden Funktionen? </a:t>
+            </a:r>
+            <a:endParaRPr/>
+          </a:p>
+          <a:p>
+            <a:pPr indent="0" lvl="0" marL="0" rtl="0" algn="l">
+              <a:spcBef>
+                <a:spcPts val="320"/>
+              </a:spcBef>
+              <a:spcAft>
+                <a:spcPts val="0"/>
+              </a:spcAft>
+              <a:buNone/>
+            </a:pPr>
+            <a:r>
+              <a:rPr lang="de"/>
+              <a:t>Was unterscheidet sie?</a:t>
+            </a:r>
+            <a:endParaRPr/>
+          </a:p>
+        </p:txBody>
+      </p:sp>
+      <p:pic>
+        <p:nvPicPr>
+          <p:cNvPr id="149" name="Google Shape;149;p22"/>
+          <p:cNvPicPr preferRelativeResize="0"/>
+          <p:nvPr/>
+        </p:nvPicPr>
+        <p:blipFill>
+          <a:blip r:embed="rId3">
+            <a:alphaModFix/>
+          </a:blip>
+          <a:stretch>
+            <a:fillRect/>
+          </a:stretch>
+        </p:blipFill>
+        <p:spPr>
+          <a:xfrm>
+            <a:off x="431800" y="1749038"/>
+            <a:ext cx="3778384" cy="1645425"/>
+          </a:xfrm>
+          <a:prstGeom prst="rect">
+            <a:avLst/>
+          </a:prstGeom>
+          <a:noFill/>
+          <a:ln>
+            <a:noFill/>
+          </a:ln>
+        </p:spPr>
+      </p:pic>
+      <p:pic>
+        <p:nvPicPr>
+          <p:cNvPr id="150" name="Google Shape;150;p22"/>
+          <p:cNvPicPr preferRelativeResize="0"/>
+          <p:nvPr/>
+        </p:nvPicPr>
+        <p:blipFill>
+          <a:blip r:embed="rId4">
+            <a:alphaModFix/>
+          </a:blip>
+          <a:stretch>
+            <a:fillRect/>
+          </a:stretch>
+        </p:blipFill>
+        <p:spPr>
+          <a:xfrm>
+            <a:off x="5041325" y="1749038"/>
+            <a:ext cx="3766175" cy="1645425"/>
+          </a:xfrm>
+          <a:prstGeom prst="rect">
+            <a:avLst/>
+          </a:prstGeom>
+          <a:noFill/>
+          <a:ln>
+            <a:noFill/>
+          </a:ln>
+        </p:spPr>
+      </p:pic>
     </p:spTree>
   </p:cSld>
   <p:clrMapOvr>
@@ -12536,6 +12536,285 @@
 </file>
 
 <file path=ppt/theme/theme1.xml><?xml version="1.0" encoding="utf-8"?>
+<a:theme xmlns:a="http://schemas.openxmlformats.org/drawingml/2006/main" xmlns:r="http://schemas.openxmlformats.org/officeDocument/2006/relationships">
+  <a:themeElements>
+    <a:clrScheme name="Default">
+      <a:dk1>
+        <a:srgbClr val="000000"/>
+      </a:dk1>
+      <a:lt1>
+        <a:srgbClr val="FFFFFF"/>
+      </a:lt1>
+      <a:dk2>
+        <a:srgbClr val="158158"/>
+      </a:dk2>
+      <a:lt2>
+        <a:srgbClr val="F3F3F3"/>
+      </a:lt2>
+      <a:accent1>
+        <a:srgbClr val="058DC7"/>
+      </a:accent1>
+      <a:accent2>
+        <a:srgbClr val="50B432"/>
+      </a:accent2>
+      <a:accent3>
+        <a:srgbClr val="ED561B"/>
+      </a:accent3>
+      <a:accent4>
+        <a:srgbClr val="EDEF00"/>
+      </a:accent4>
+      <a:accent5>
+        <a:srgbClr val="24CBE5"/>
+      </a:accent5>
+      <a:accent6>
+        <a:srgbClr val="64E572"/>
+      </a:accent6>
+      <a:hlink>
+        <a:srgbClr val="2200CC"/>
+      </a:hlink>
+      <a:folHlink>
+        <a:srgbClr val="551A8B"/>
+      </a:folHlink>
+    </a:clrScheme>
+    <a:fontScheme name="Office">
+      <a:majorFont>
+        <a:latin typeface="Arial"/>
+        <a:ea typeface=""/>
+        <a:cs typeface=""/>
+        <a:font script="Jpan" typeface="ＭＳ Ｐゴシック"/>
+        <a:font script="Hang" typeface="맑은 고딕"/>
+        <a:font script="Hans" typeface="宋体"/>
+        <a:font script="Hant" typeface="新細明體"/>
+        <a:font script="Arab" typeface="Times New Roman"/>
+        <a:font script="Hebr" typeface="Times New Roman"/>
+        <a:font script="Thai" typeface="Angsana New"/>
+        <a:font script="Ethi" typeface="Nyala"/>
+        <a:font script="Beng" typeface="Vrinda"/>
+        <a:font script="Gujr" typeface="Shruti"/>
+        <a:font script="Khmr" typeface="MoolBoran"/>
+        <a:font script="Knda" typeface="Tunga"/>
+        <a:font script="Guru" typeface="Raavi"/>
+        <a:font script="Cans" typeface="Euphemia"/>
+        <a:font script="Cher" typeface="Plantagenet Cherokee"/>
+        <a:font script="Yiii" typeface="Microsoft Yi Baiti"/>
+        <a:font script="Tibt" typeface="Microsoft Himalaya"/>
+        <a:font script="Thaa" typeface="MV Boli"/>
+        <a:font script="Deva" typeface="Mangal"/>
+        <a:font script="Telu" typeface="Gautami"/>
+        <a:font script="Taml" typeface="Latha"/>
+        <a:font script="Syrc" typeface="Estrangelo Edessa"/>
+        <a:font script="Orya" typeface="Kalinga"/>
+        <a:font script="Mlym" typeface="Kartika"/>
+        <a:font script="Laoo" typeface="DokChampa"/>
+        <a:font script="Sinh" typeface="Iskoola Pota"/>
+        <a:font script="Mong" typeface="Mongolian Baiti"/>
+        <a:font script="Viet" typeface="Times New Roman"/>
+        <a:font script="Uigh" typeface="Microsoft Uighur"/>
+        <a:font script="Geor" typeface="Sylfaen"/>
+      </a:majorFont>
+      <a:minorFont>
+        <a:latin typeface="Arial"/>
+        <a:ea typeface=""/>
+        <a:cs typeface=""/>
+        <a:font script="Jpan" typeface="ＭＳ Ｐゴシック"/>
+        <a:font script="Hang" typeface="맑은 고딕"/>
+        <a:font script="Hans" typeface="宋体"/>
+        <a:font script="Hant" typeface="新細明體"/>
+        <a:font script="Arab" typeface="Arial"/>
+        <a:font script="Hebr" typeface="Arial"/>
+        <a:font script="Thai" typeface="Cordia New"/>
+        <a:font script="Ethi" typeface="Nyala"/>
+        <a:font script="Beng" typeface="Vrinda"/>
+        <a:font script="Gujr" typeface="Shruti"/>
+        <a:font script="Khmr" typeface="DaunPenh"/>
+        <a:font script="Knda" typeface="Tunga"/>
+        <a:font script="Guru" typeface="Raavi"/>
+        <a:font script="Cans" typeface="Euphemia"/>
+        <a:font script="Cher" typeface="Plantagenet Cherokee"/>
+        <a:font script="Yiii" typeface="Microsoft Yi Baiti"/>
+        <a:font script="Tibt" typeface="Microsoft Himalaya"/>
+        <a:font script="Thaa" typeface="MV Boli"/>
+        <a:font script="Deva" typeface="Mangal"/>
+        <a:font script="Telu" typeface="Gautami"/>
+        <a:font script="Taml" typeface="Latha"/>
+        <a:font script="Syrc" typeface="Estrangelo Edessa"/>
+        <a:font script="Orya" typeface="Kalinga"/>
+        <a:font script="Mlym" typeface="Kartika"/>
+        <a:font script="Laoo" typeface="DokChampa"/>
+        <a:font script="Sinh" typeface="Iskoola Pota"/>
+        <a:font script="Mong" typeface="Mongolian Baiti"/>
+        <a:font script="Viet" typeface="Arial"/>
+        <a:font script="Uigh" typeface="Microsoft Uighur"/>
+        <a:font script="Geor" typeface="Sylfaen"/>
+      </a:minorFont>
+    </a:fontScheme>
+    <a:fmtScheme name="Office">
+      <a:fillStyleLst>
+        <a:solidFill>
+          <a:schemeClr val="phClr"/>
+        </a:solidFill>
+        <a:gradFill rotWithShape="1">
+          <a:gsLst>
+            <a:gs pos="0">
+              <a:schemeClr val="phClr">
+                <a:tint val="50000"/>
+                <a:satMod val="300000"/>
+              </a:schemeClr>
+            </a:gs>
+            <a:gs pos="35000">
+              <a:schemeClr val="phClr">
+                <a:tint val="37000"/>
+                <a:satMod val="300000"/>
+              </a:schemeClr>
+            </a:gs>
+            <a:gs pos="100000">
+              <a:schemeClr val="phClr">
+                <a:tint val="15000"/>
+                <a:satMod val="350000"/>
+              </a:schemeClr>
+            </a:gs>
+          </a:gsLst>
+          <a:lin ang="16200000" scaled="1"/>
+        </a:gradFill>
+        <a:gradFill rotWithShape="1">
+          <a:gsLst>
+            <a:gs pos="0">
+              <a:schemeClr val="phClr">
+                <a:tint val="100000"/>
+                <a:shade val="100000"/>
+                <a:satMod val="130000"/>
+              </a:schemeClr>
+            </a:gs>
+            <a:gs pos="100000">
+              <a:schemeClr val="phClr">
+                <a:tint val="50000"/>
+                <a:shade val="100000"/>
+                <a:satMod val="350000"/>
+              </a:schemeClr>
+            </a:gs>
+          </a:gsLst>
+          <a:lin ang="16200000" scaled="0"/>
+        </a:gradFill>
+      </a:fillStyleLst>
+      <a:lnStyleLst>
+        <a:ln w="9525" cap="flat" cmpd="sng" algn="ctr">
+          <a:solidFill>
+            <a:schemeClr val="phClr">
+              <a:shade val="95000"/>
+              <a:satMod val="105000"/>
+            </a:schemeClr>
+          </a:solidFill>
+          <a:prstDash val="solid"/>
+        </a:ln>
+        <a:ln w="25400" cap="flat" cmpd="sng" algn="ctr">
+          <a:solidFill>
+            <a:schemeClr val="phClr"/>
+          </a:solidFill>
+          <a:prstDash val="solid"/>
+        </a:ln>
+        <a:ln w="38100" cap="flat" cmpd="sng" algn="ctr">
+          <a:solidFill>
+            <a:schemeClr val="phClr"/>
+          </a:solidFill>
+          <a:prstDash val="solid"/>
+        </a:ln>
+      </a:lnStyleLst>
+      <a:effectStyleLst>
+        <a:effectStyle>
+          <a:effectLst>
+            <a:outerShdw blurRad="40000" dist="20000" dir="5400000" rotWithShape="0">
+              <a:srgbClr val="000000">
+                <a:alpha val="38000"/>
+              </a:srgbClr>
+            </a:outerShdw>
+          </a:effectLst>
+        </a:effectStyle>
+        <a:effectStyle>
+          <a:effectLst>
+            <a:outerShdw blurRad="40000" dist="23000" dir="5400000" rotWithShape="0">
+              <a:srgbClr val="000000">
+                <a:alpha val="35000"/>
+              </a:srgbClr>
+            </a:outerShdw>
+          </a:effectLst>
+        </a:effectStyle>
+        <a:effectStyle>
+          <a:effectLst>
+            <a:outerShdw blurRad="40000" dist="23000" dir="5400000" rotWithShape="0">
+              <a:srgbClr val="000000">
+                <a:alpha val="35000"/>
+              </a:srgbClr>
+            </a:outerShdw>
+          </a:effectLst>
+          <a:scene3d>
+            <a:camera prst="orthographicFront">
+              <a:rot lat="0" lon="0" rev="0"/>
+            </a:camera>
+            <a:lightRig rig="threePt" dir="t">
+              <a:rot lat="0" lon="0" rev="1200000"/>
+            </a:lightRig>
+          </a:scene3d>
+          <a:sp3d>
+            <a:bevelT w="63500" h="25400"/>
+          </a:sp3d>
+        </a:effectStyle>
+      </a:effectStyleLst>
+      <a:bgFillStyleLst>
+        <a:solidFill>
+          <a:schemeClr val="phClr"/>
+        </a:solidFill>
+        <a:gradFill rotWithShape="1">
+          <a:gsLst>
+            <a:gs pos="0">
+              <a:schemeClr val="phClr">
+                <a:tint val="40000"/>
+                <a:satMod val="350000"/>
+              </a:schemeClr>
+            </a:gs>
+            <a:gs pos="40000">
+              <a:schemeClr val="phClr">
+                <a:tint val="45000"/>
+                <a:shade val="99000"/>
+                <a:satMod val="350000"/>
+              </a:schemeClr>
+            </a:gs>
+            <a:gs pos="100000">
+              <a:schemeClr val="phClr">
+                <a:shade val="20000"/>
+                <a:satMod val="255000"/>
+              </a:schemeClr>
+            </a:gs>
+          </a:gsLst>
+          <a:path path="circle">
+            <a:fillToRect l="50000" t="-80000" r="50000" b="180000"/>
+          </a:path>
+        </a:gradFill>
+        <a:gradFill rotWithShape="1">
+          <a:gsLst>
+            <a:gs pos="0">
+              <a:schemeClr val="phClr">
+                <a:tint val="80000"/>
+                <a:satMod val="300000"/>
+              </a:schemeClr>
+            </a:gs>
+            <a:gs pos="100000">
+              <a:schemeClr val="phClr">
+                <a:shade val="30000"/>
+                <a:satMod val="200000"/>
+              </a:schemeClr>
+            </a:gs>
+          </a:gsLst>
+          <a:path path="circle">
+            <a:fillToRect l="50000" t="50000" r="50000" b="50000"/>
+          </a:path>
+        </a:gradFill>
+      </a:bgFillStyleLst>
+    </a:fmtScheme>
+  </a:themeElements>
+</a:theme>
+</file>
+
+<file path=ppt/theme/theme2.xml><?xml version="1.0" encoding="utf-8"?>
 <a:theme xmlns:a="http://schemas.openxmlformats.org/drawingml/2006/main" xmlns:r="http://schemas.openxmlformats.org/officeDocument/2006/relationships" name="TUBraunschweig_PPT2007_Folienpool_pptx">
   <a:themeElements>
     <a:clrScheme name="TU Braunschweig">
@@ -12812,283 +13091,4 @@
     </a:fmtScheme>
   </a:themeElements>
 </a:theme>
-</file>
-
-<file path=ppt/theme/theme2.xml><?xml version="1.0" encoding="utf-8"?>
-<a:theme xmlns:a="http://schemas.openxmlformats.org/drawingml/2006/main" xmlns:r="http://schemas.openxmlformats.org/officeDocument/2006/relationships">
-  <a:themeElements>
-    <a:clrScheme name="Default">
-      <a:dk1>
-        <a:srgbClr val="000000"/>
-      </a:dk1>
-      <a:lt1>
-        <a:srgbClr val="FFFFFF"/>
-      </a:lt1>
-      <a:dk2>
-        <a:srgbClr val="158158"/>
-      </a:dk2>
-      <a:lt2>
-        <a:srgbClr val="F3F3F3"/>
-      </a:lt2>
-      <a:accent1>
-        <a:srgbClr val="058DC7"/>
-      </a:accent1>
-      <a:accent2>
-        <a:srgbClr val="50B432"/>
-      </a:accent2>
-      <a:accent3>
-        <a:srgbClr val="ED561B"/>
-      </a:accent3>
-      <a:accent4>
-        <a:srgbClr val="EDEF00"/>
-      </a:accent4>
-      <a:accent5>
-        <a:srgbClr val="24CBE5"/>
-      </a:accent5>
-      <a:accent6>
-        <a:srgbClr val="64E572"/>
-      </a:accent6>
-      <a:hlink>
-        <a:srgbClr val="2200CC"/>
-      </a:hlink>
-      <a:folHlink>
-        <a:srgbClr val="551A8B"/>
-      </a:folHlink>
-    </a:clrScheme>
-    <a:fontScheme name="Office">
-      <a:majorFont>
-        <a:latin typeface="Arial"/>
-        <a:ea typeface=""/>
-        <a:cs typeface=""/>
-        <a:font script="Jpan" typeface="ＭＳ Ｐゴシック"/>
-        <a:font script="Hang" typeface="맑은 고딕"/>
-        <a:font script="Hans" typeface="宋体"/>
-        <a:font script="Hant" typeface="新細明體"/>
-        <a:font script="Arab" typeface="Times New Roman"/>
-        <a:font script="Hebr" typeface="Times New Roman"/>
-        <a:font script="Thai" typeface="Angsana New"/>
-        <a:font script="Ethi" typeface="Nyala"/>
-        <a:font script="Beng" typeface="Vrinda"/>
-        <a:font script="Gujr" typeface="Shruti"/>
-        <a:font script="Khmr" typeface="MoolBoran"/>
-        <a:font script="Knda" typeface="Tunga"/>
-        <a:font script="Guru" typeface="Raavi"/>
-        <a:font script="Cans" typeface="Euphemia"/>
-        <a:font script="Cher" typeface="Plantagenet Cherokee"/>
-        <a:font script="Yiii" typeface="Microsoft Yi Baiti"/>
-        <a:font script="Tibt" typeface="Microsoft Himalaya"/>
-        <a:font script="Thaa" typeface="MV Boli"/>
-        <a:font script="Deva" typeface="Mangal"/>
-        <a:font script="Telu" typeface="Gautami"/>
-        <a:font script="Taml" typeface="Latha"/>
-        <a:font script="Syrc" typeface="Estrangelo Edessa"/>
-        <a:font script="Orya" typeface="Kalinga"/>
-        <a:font script="Mlym" typeface="Kartika"/>
-        <a:font script="Laoo" typeface="DokChampa"/>
-        <a:font script="Sinh" typeface="Iskoola Pota"/>
-        <a:font script="Mong" typeface="Mongolian Baiti"/>
-        <a:font script="Viet" typeface="Times New Roman"/>
-        <a:font script="Uigh" typeface="Microsoft Uighur"/>
-        <a:font script="Geor" typeface="Sylfaen"/>
-      </a:majorFont>
-      <a:minorFont>
-        <a:latin typeface="Arial"/>
-        <a:ea typeface=""/>
-        <a:cs typeface=""/>
-        <a:font script="Jpan" typeface="ＭＳ Ｐゴシック"/>
-        <a:font script="Hang" typeface="맑은 고딕"/>
-        <a:font script="Hans" typeface="宋体"/>
-        <a:font script="Hant" typeface="新細明體"/>
-        <a:font script="Arab" typeface="Arial"/>
-        <a:font script="Hebr" typeface="Arial"/>
-        <a:font script="Thai" typeface="Cordia New"/>
-        <a:font script="Ethi" typeface="Nyala"/>
-        <a:font script="Beng" typeface="Vrinda"/>
-        <a:font script="Gujr" typeface="Shruti"/>
-        <a:font script="Khmr" typeface="DaunPenh"/>
-        <a:font script="Knda" typeface="Tunga"/>
-        <a:font script="Guru" typeface="Raavi"/>
-        <a:font script="Cans" typeface="Euphemia"/>
-        <a:font script="Cher" typeface="Plantagenet Cherokee"/>
-        <a:font script="Yiii" typeface="Microsoft Yi Baiti"/>
-        <a:font script="Tibt" typeface="Microsoft Himalaya"/>
-        <a:font script="Thaa" typeface="MV Boli"/>
-        <a:font script="Deva" typeface="Mangal"/>
-        <a:font script="Telu" typeface="Gautami"/>
-        <a:font script="Taml" typeface="Latha"/>
-        <a:font script="Syrc" typeface="Estrangelo Edessa"/>
-        <a:font script="Orya" typeface="Kalinga"/>
-        <a:font script="Mlym" typeface="Kartika"/>
-        <a:font script="Laoo" typeface="DokChampa"/>
-        <a:font script="Sinh" typeface="Iskoola Pota"/>
-        <a:font script="Mong" typeface="Mongolian Baiti"/>
-        <a:font script="Viet" typeface="Arial"/>
-        <a:font script="Uigh" typeface="Microsoft Uighur"/>
-        <a:font script="Geor" typeface="Sylfaen"/>
-      </a:minorFont>
-    </a:fontScheme>
-    <a:fmtScheme name="Office">
-      <a:fillStyleLst>
-        <a:solidFill>
-          <a:schemeClr val="phClr"/>
-        </a:solidFill>
-        <a:gradFill rotWithShape="1">
-          <a:gsLst>
-            <a:gs pos="0">
-              <a:schemeClr val="phClr">
-                <a:tint val="50000"/>
-                <a:satMod val="300000"/>
-              </a:schemeClr>
-            </a:gs>
-            <a:gs pos="35000">
-              <a:schemeClr val="phClr">
-                <a:tint val="37000"/>
-                <a:satMod val="300000"/>
-              </a:schemeClr>
-            </a:gs>
-            <a:gs pos="100000">
-              <a:schemeClr val="phClr">
-                <a:tint val="15000"/>
-                <a:satMod val="350000"/>
-              </a:schemeClr>
-            </a:gs>
-          </a:gsLst>
-          <a:lin ang="16200000" scaled="1"/>
-        </a:gradFill>
-        <a:gradFill rotWithShape="1">
-          <a:gsLst>
-            <a:gs pos="0">
-              <a:schemeClr val="phClr">
-                <a:tint val="100000"/>
-                <a:shade val="100000"/>
-                <a:satMod val="130000"/>
-              </a:schemeClr>
-            </a:gs>
-            <a:gs pos="100000">
-              <a:schemeClr val="phClr">
-                <a:tint val="50000"/>
-                <a:shade val="100000"/>
-                <a:satMod val="350000"/>
-              </a:schemeClr>
-            </a:gs>
-          </a:gsLst>
-          <a:lin ang="16200000" scaled="0"/>
-        </a:gradFill>
-      </a:fillStyleLst>
-      <a:lnStyleLst>
-        <a:ln w="9525" cap="flat" cmpd="sng" algn="ctr">
-          <a:solidFill>
-            <a:schemeClr val="phClr">
-              <a:shade val="95000"/>
-              <a:satMod val="105000"/>
-            </a:schemeClr>
-          </a:solidFill>
-          <a:prstDash val="solid"/>
-        </a:ln>
-        <a:ln w="25400" cap="flat" cmpd="sng" algn="ctr">
-          <a:solidFill>
-            <a:schemeClr val="phClr"/>
-          </a:solidFill>
-          <a:prstDash val="solid"/>
-        </a:ln>
-        <a:ln w="38100" cap="flat" cmpd="sng" algn="ctr">
-          <a:solidFill>
-            <a:schemeClr val="phClr"/>
-          </a:solidFill>
-          <a:prstDash val="solid"/>
-        </a:ln>
-      </a:lnStyleLst>
-      <a:effectStyleLst>
-        <a:effectStyle>
-          <a:effectLst>
-            <a:outerShdw blurRad="40000" dist="20000" dir="5400000" rotWithShape="0">
-              <a:srgbClr val="000000">
-                <a:alpha val="38000"/>
-              </a:srgbClr>
-            </a:outerShdw>
-          </a:effectLst>
-        </a:effectStyle>
-        <a:effectStyle>
-          <a:effectLst>
-            <a:outerShdw blurRad="40000" dist="23000" dir="5400000" rotWithShape="0">
-              <a:srgbClr val="000000">
-                <a:alpha val="35000"/>
-              </a:srgbClr>
-            </a:outerShdw>
-          </a:effectLst>
-        </a:effectStyle>
-        <a:effectStyle>
-          <a:effectLst>
-            <a:outerShdw blurRad="40000" dist="23000" dir="5400000" rotWithShape="0">
-              <a:srgbClr val="000000">
-                <a:alpha val="35000"/>
-              </a:srgbClr>
-            </a:outerShdw>
-          </a:effectLst>
-          <a:scene3d>
-            <a:camera prst="orthographicFront">
-              <a:rot lat="0" lon="0" rev="0"/>
-            </a:camera>
-            <a:lightRig rig="threePt" dir="t">
-              <a:rot lat="0" lon="0" rev="1200000"/>
-            </a:lightRig>
-          </a:scene3d>
-          <a:sp3d>
-            <a:bevelT w="63500" h="25400"/>
-          </a:sp3d>
-        </a:effectStyle>
-      </a:effectStyleLst>
-      <a:bgFillStyleLst>
-        <a:solidFill>
-          <a:schemeClr val="phClr"/>
-        </a:solidFill>
-        <a:gradFill rotWithShape="1">
-          <a:gsLst>
-            <a:gs pos="0">
-              <a:schemeClr val="phClr">
-                <a:tint val="40000"/>
-                <a:satMod val="350000"/>
-              </a:schemeClr>
-            </a:gs>
-            <a:gs pos="40000">
-              <a:schemeClr val="phClr">
-                <a:tint val="45000"/>
-                <a:shade val="99000"/>
-                <a:satMod val="350000"/>
-              </a:schemeClr>
-            </a:gs>
-            <a:gs pos="100000">
-              <a:schemeClr val="phClr">
-                <a:shade val="20000"/>
-                <a:satMod val="255000"/>
-              </a:schemeClr>
-            </a:gs>
-          </a:gsLst>
-          <a:path path="circle">
-            <a:fillToRect l="50000" t="-80000" r="50000" b="180000"/>
-          </a:path>
-        </a:gradFill>
-        <a:gradFill rotWithShape="1">
-          <a:gsLst>
-            <a:gs pos="0">
-              <a:schemeClr val="phClr">
-                <a:tint val="80000"/>
-                <a:satMod val="300000"/>
-              </a:schemeClr>
-            </a:gs>
-            <a:gs pos="100000">
-              <a:schemeClr val="phClr">
-                <a:shade val="30000"/>
-                <a:satMod val="200000"/>
-              </a:schemeClr>
-            </a:gs>
-          </a:gsLst>
-          <a:path path="circle">
-            <a:fillToRect l="50000" t="50000" r="50000" b="50000"/>
-          </a:path>
-        </a:gradFill>
-      </a:bgFillStyleLst>
-    </a:fmtScheme>
-  </a:themeElements>
-</a:theme>
 </file>